--- a/docs/Lectures/Week04/Week04_BivariateRegression_updated.pptx
+++ b/docs/Lectures/Week04/Week04_BivariateRegression_updated.pptx
@@ -6,7 +6,7 @@
     <p:sldMasterId id="2147483686" r:id="rId2"/>
   </p:sldMasterIdLst>
   <p:notesMasterIdLst>
-    <p:notesMasterId r:id="rId37"/>
+    <p:notesMasterId r:id="rId32"/>
   </p:notesMasterIdLst>
   <p:sldIdLst>
     <p:sldId id="256" r:id="rId3"/>
@@ -36,13 +36,8 @@
     <p:sldId id="901" r:id="rId27"/>
     <p:sldId id="869" r:id="rId28"/>
     <p:sldId id="895" r:id="rId29"/>
-    <p:sldId id="896" r:id="rId30"/>
-    <p:sldId id="897" r:id="rId31"/>
-    <p:sldId id="898" r:id="rId32"/>
-    <p:sldId id="899" r:id="rId33"/>
-    <p:sldId id="903" r:id="rId34"/>
-    <p:sldId id="265" r:id="rId35"/>
-    <p:sldId id="902" r:id="rId36"/>
+    <p:sldId id="265" r:id="rId30"/>
+    <p:sldId id="902" r:id="rId31"/>
   </p:sldIdLst>
   <p:sldSz cx="12192000" cy="6858000"/>
   <p:notesSz cx="6858000" cy="9144000"/>
@@ -231,7 +226,7 @@
           <a:p>
             <a:fld id="{B696F2DA-24C0-4B85-B3DC-FA6F4BB684E2}" type="datetimeFigureOut">
               <a:rPr lang="en-US" smtClean="0"/>
-              <a:t>2/3/2025</a:t>
+              <a:t>2/5/2025</a:t>
             </a:fld>
             <a:endParaRPr lang="en-US"/>
           </a:p>
@@ -736,7 +731,7 @@
           <a:p>
             <a:fld id="{ED291B17-9318-49DB-B28B-6E5994AE9581}" type="datetime1">
               <a:rPr lang="en-US" smtClean="0"/>
-              <a:t>2/3/2025</a:t>
+              <a:t>2/5/2025</a:t>
             </a:fld>
             <a:endParaRPr lang="en-US" dirty="0"/>
           </a:p>
@@ -939,7 +934,7 @@
           <a:p>
             <a:fld id="{2CED4963-E985-44C4-B8C4-FDD613B7C2F8}" type="datetime1">
               <a:rPr lang="en-US" smtClean="0"/>
-              <a:t>2/3/2025</a:t>
+              <a:t>2/5/2025</a:t>
             </a:fld>
             <a:endParaRPr lang="en-US" dirty="0"/>
           </a:p>
@@ -1301,7 +1296,7 @@
           <a:p>
             <a:fld id="{ED291B17-9318-49DB-B28B-6E5994AE9581}" type="datetime1">
               <a:rPr lang="en-US" smtClean="0"/>
-              <a:t>2/3/2025</a:t>
+              <a:t>2/5/2025</a:t>
             </a:fld>
             <a:endParaRPr lang="en-US" dirty="0"/>
           </a:p>
@@ -1611,7 +1606,7 @@
           <a:p>
             <a:fld id="{ED291B17-9318-49DB-B28B-6E5994AE9581}" type="datetime1">
               <a:rPr lang="en-US" smtClean="0"/>
-              <a:t>2/3/2025</a:t>
+              <a:t>2/5/2025</a:t>
             </a:fld>
             <a:endParaRPr lang="en-US" dirty="0"/>
           </a:p>
@@ -1808,7 +1803,7 @@
           <a:p>
             <a:fld id="{78DD82B9-B8EE-4375-B6FF-88FA6ABB15D9}" type="datetime1">
               <a:rPr lang="en-US" smtClean="0"/>
-              <a:t>2/3/2025</a:t>
+              <a:t>2/5/2025</a:t>
             </a:fld>
             <a:endParaRPr lang="en-US" dirty="0"/>
           </a:p>
@@ -2119,7 +2114,7 @@
           <a:p>
             <a:fld id="{B2497495-0637-405E-AE64-5CC7506D51F5}" type="datetime1">
               <a:rPr lang="en-US" smtClean="0"/>
-              <a:t>2/3/2025</a:t>
+              <a:t>2/5/2025</a:t>
             </a:fld>
             <a:endParaRPr lang="en-US" dirty="0"/>
           </a:p>
@@ -2372,7 +2367,7 @@
           <a:p>
             <a:fld id="{7BFFD690-9426-415D-8B65-26881E07B2D4}" type="datetime1">
               <a:rPr lang="en-US" smtClean="0"/>
-              <a:t>2/3/2025</a:t>
+              <a:t>2/5/2025</a:t>
             </a:fld>
             <a:endParaRPr lang="en-US" dirty="0"/>
           </a:p>
@@ -2794,7 +2789,7 @@
           <a:p>
             <a:fld id="{04C4989A-474C-40DE-95B9-011C28B71673}" type="datetime1">
               <a:rPr lang="en-US" smtClean="0"/>
-              <a:t>2/3/2025</a:t>
+              <a:t>2/5/2025</a:t>
             </a:fld>
             <a:endParaRPr lang="en-US" dirty="0"/>
           </a:p>
@@ -2917,7 +2912,7 @@
           <a:p>
             <a:fld id="{5DB4ED54-5B5E-4A04-93D3-5772E3CE3818}" type="datetime1">
               <a:rPr lang="en-US" smtClean="0"/>
-              <a:t>2/3/2025</a:t>
+              <a:t>2/5/2025</a:t>
             </a:fld>
             <a:endParaRPr lang="en-US" dirty="0"/>
           </a:p>
@@ -3012,7 +3007,7 @@
           <a:p>
             <a:fld id="{4EDE50D6-574B-40AF-946F-D52A04ADE379}" type="datetime1">
               <a:rPr lang="en-US" smtClean="0"/>
-              <a:t>2/3/2025</a:t>
+              <a:t>2/5/2025</a:t>
             </a:fld>
             <a:endParaRPr lang="en-US" dirty="0"/>
           </a:p>
@@ -3388,7 +3383,7 @@
           <a:p>
             <a:fld id="{D82884F1-FFEA-405F-9602-3DCA865EDA4E}" type="datetime1">
               <a:rPr lang="en-US" smtClean="0"/>
-              <a:t>2/3/2025</a:t>
+              <a:t>2/5/2025</a:t>
             </a:fld>
             <a:endParaRPr lang="en-US" dirty="0"/>
           </a:p>
@@ -3595,7 +3590,7 @@
           <a:p>
             <a:fld id="{78DD82B9-B8EE-4375-B6FF-88FA6ABB15D9}" type="datetime1">
               <a:rPr lang="en-US" smtClean="0"/>
-              <a:t>2/3/2025</a:t>
+              <a:t>2/5/2025</a:t>
             </a:fld>
             <a:endParaRPr lang="en-US" dirty="0"/>
           </a:p>
@@ -3877,7 +3872,7 @@
           <a:p>
             <a:fld id="{7E18DB4A-8810-4A10-AD5C-D5E2C667F5B3}" type="datetime1">
               <a:rPr lang="en-US" smtClean="0"/>
-              <a:t>2/3/2025</a:t>
+              <a:t>2/5/2025</a:t>
             </a:fld>
             <a:endParaRPr lang="en-US" dirty="0"/>
           </a:p>
@@ -4069,7 +4064,7 @@
           <a:p>
             <a:fld id="{2CED4963-E985-44C4-B8C4-FDD613B7C2F8}" type="datetime1">
               <a:rPr lang="en-US" smtClean="0"/>
-              <a:t>2/3/2025</a:t>
+              <a:t>2/5/2025</a:t>
             </a:fld>
             <a:endParaRPr lang="en-US" dirty="0"/>
           </a:p>
@@ -4430,7 +4425,7 @@
           <a:p>
             <a:fld id="{ED291B17-9318-49DB-B28B-6E5994AE9581}" type="datetime1">
               <a:rPr lang="en-US" smtClean="0"/>
-              <a:t>2/3/2025</a:t>
+              <a:t>2/5/2025</a:t>
             </a:fld>
             <a:endParaRPr lang="en-US" dirty="0"/>
           </a:p>
@@ -4906,7 +4901,7 @@
           <a:p>
             <a:fld id="{B2497495-0637-405E-AE64-5CC7506D51F5}" type="datetime1">
               <a:rPr lang="en-US" smtClean="0"/>
-              <a:t>2/3/2025</a:t>
+              <a:t>2/5/2025</a:t>
             </a:fld>
             <a:endParaRPr lang="en-US" dirty="0"/>
           </a:p>
@@ -5157,7 +5152,7 @@
           <a:p>
             <a:fld id="{7BFFD690-9426-415D-8B65-26881E07B2D4}" type="datetime1">
               <a:rPr lang="en-US" smtClean="0"/>
-              <a:t>2/3/2025</a:t>
+              <a:t>2/5/2025</a:t>
             </a:fld>
             <a:endParaRPr lang="en-US" dirty="0"/>
           </a:p>
@@ -5577,7 +5572,7 @@
           <a:p>
             <a:fld id="{04C4989A-474C-40DE-95B9-011C28B71673}" type="datetime1">
               <a:rPr lang="en-US" smtClean="0"/>
-              <a:t>2/3/2025</a:t>
+              <a:t>2/5/2025</a:t>
             </a:fld>
             <a:endParaRPr lang="en-US" dirty="0"/>
           </a:p>
@@ -5700,7 +5695,7 @@
           <a:p>
             <a:fld id="{5DB4ED54-5B5E-4A04-93D3-5772E3CE3818}" type="datetime1">
               <a:rPr lang="en-US" smtClean="0"/>
-              <a:t>2/3/2025</a:t>
+              <a:t>2/5/2025</a:t>
             </a:fld>
             <a:endParaRPr lang="en-US" dirty="0"/>
           </a:p>
@@ -5795,7 +5790,7 @@
           <a:p>
             <a:fld id="{4EDE50D6-574B-40AF-946F-D52A04ADE379}" type="datetime1">
               <a:rPr lang="en-US" smtClean="0"/>
-              <a:t>2/3/2025</a:t>
+              <a:t>2/5/2025</a:t>
             </a:fld>
             <a:endParaRPr lang="en-US" dirty="0"/>
           </a:p>
@@ -6171,7 +6166,7 @@
           <a:p>
             <a:fld id="{D82884F1-FFEA-405F-9602-3DCA865EDA4E}" type="datetime1">
               <a:rPr lang="en-US" smtClean="0"/>
-              <a:t>2/3/2025</a:t>
+              <a:t>2/5/2025</a:t>
             </a:fld>
             <a:endParaRPr lang="en-US" dirty="0"/>
           </a:p>
@@ -6464,7 +6459,7 @@
           <a:p>
             <a:fld id="{7E18DB4A-8810-4A10-AD5C-D5E2C667F5B3}" type="datetime1">
               <a:rPr lang="en-US" smtClean="0"/>
-              <a:t>2/3/2025</a:t>
+              <a:t>2/5/2025</a:t>
             </a:fld>
             <a:endParaRPr lang="en-US" dirty="0"/>
           </a:p>
@@ -6679,7 +6674,7 @@
           <a:p>
             <a:fld id="{ED291B17-9318-49DB-B28B-6E5994AE9581}" type="datetime1">
               <a:rPr lang="en-US" smtClean="0"/>
-              <a:t>2/3/2025</a:t>
+              <a:t>2/5/2025</a:t>
             </a:fld>
             <a:endParaRPr lang="en-US" dirty="0"/>
           </a:p>
@@ -7458,7 +7453,7 @@
           <a:p>
             <a:fld id="{ED291B17-9318-49DB-B28B-6E5994AE9581}" type="datetime1">
               <a:rPr lang="en-US" smtClean="0"/>
-              <a:t>2/3/2025</a:t>
+              <a:t>2/5/2025</a:t>
             </a:fld>
             <a:endParaRPr lang="en-US" dirty="0"/>
           </a:p>
@@ -8119,7 +8114,7 @@
                 <a16:creationId xmlns:a16="http://schemas.microsoft.com/office/drawing/2014/main" id="{875485B9-8EE1-447A-9C08-F7D6B532A8CF}"/>
               </a:ext>
               <a:ext uri="{C183D7F6-B498-43B3-948B-1728B52AA6E4}">
-                <adec:decorative xmlns:adec="http://schemas.microsoft.com/office/drawing/2017/decorative" xmlns="" val="1"/>
+                <adec:decorative xmlns:adec="http://schemas.microsoft.com/office/drawing/2017/decorative" val="1"/>
               </a:ext>
             </a:extLst>
           </p:cNvPr>
@@ -8208,7 +8203,7 @@
                 <a16:creationId xmlns:a16="http://schemas.microsoft.com/office/drawing/2014/main" id="{B963707F-B98C-4143-AFCF-D6B56C975C5A}"/>
               </a:ext>
               <a:ext uri="{C183D7F6-B498-43B3-948B-1728B52AA6E4}">
-                <adec:decorative xmlns:adec="http://schemas.microsoft.com/office/drawing/2017/decorative" xmlns="" val="1"/>
+                <adec:decorative xmlns:adec="http://schemas.microsoft.com/office/drawing/2017/decorative" val="1"/>
               </a:ext>
             </a:extLst>
           </p:cNvPr>
@@ -8269,7 +8264,7 @@
                 <a16:creationId xmlns:a16="http://schemas.microsoft.com/office/drawing/2014/main" id="{88D2DFBB-460D-4ECB-BD76-509C99DAD65A}"/>
               </a:ext>
               <a:ext uri="{C183D7F6-B498-43B3-948B-1728B52AA6E4}">
-                <adec:decorative xmlns:adec="http://schemas.microsoft.com/office/drawing/2017/decorative" xmlns="" val="1"/>
+                <adec:decorative xmlns:adec="http://schemas.microsoft.com/office/drawing/2017/decorative" val="1"/>
               </a:ext>
             </a:extLst>
           </p:cNvPr>
@@ -8850,13 +8845,7 @@
                                 <a:rPr lang="en-US" b="0" i="1" smtClean="0">
                                   <a:latin typeface="Cambria Math" panose="02040503050406030204" pitchFamily="18" charset="0"/>
                                 </a:rPr>
-                                <m:t>=</m:t>
-                              </m:r>
-                              <m:r>
-                                <a:rPr lang="en-US" b="0" i="1" smtClean="0">
-                                  <a:latin typeface="Cambria Math" panose="02040503050406030204" pitchFamily="18" charset="0"/>
-                                </a:rPr>
-                                <m:t>2</m:t>
+                                <m:t>=2</m:t>
                               </m:r>
                             </m:sub>
                             <m:sup>
@@ -9008,13 +8997,7 @@
                                 <a:rPr lang="en-US" b="0" i="1" smtClean="0">
                                   <a:latin typeface="Cambria Math" panose="02040503050406030204" pitchFamily="18" charset="0"/>
                                 </a:rPr>
-                                <m:t>=</m:t>
-                              </m:r>
-                              <m:r>
-                                <a:rPr lang="en-US" b="0" i="1" smtClean="0">
-                                  <a:latin typeface="Cambria Math" panose="02040503050406030204" pitchFamily="18" charset="0"/>
-                                </a:rPr>
-                                <m:t>2</m:t>
+                                <m:t>=2</m:t>
                               </m:r>
                             </m:sub>
                             <m:sup>
@@ -10870,13 +10853,6 @@
   <p:clrMapOvr>
     <a:masterClrMapping/>
   </p:clrMapOvr>
-  <p:timing>
-    <p:tnLst>
-      <p:par>
-        <p:cTn id="1" dur="indefinite" restart="never" nodeType="tmRoot"/>
-      </p:par>
-    </p:tnLst>
-  </p:timing>
 </p:sld>
 </file>
 
@@ -10919,7 +10895,7 @@
                 <a16:creationId xmlns:a16="http://schemas.microsoft.com/office/drawing/2014/main" id="{D8E8C8A6-AA72-6E5B-2967-6240E98CC45E}"/>
               </a:ext>
               <a:ext uri="{C183D7F6-B498-43B3-948B-1728B52AA6E4}">
-                <adec:decorative xmlns:adec="http://schemas.microsoft.com/office/drawing/2017/decorative" xmlns="" val="1"/>
+                <adec:decorative xmlns:adec="http://schemas.microsoft.com/office/drawing/2017/decorative" val="1"/>
               </a:ext>
             </a:extLst>
           </p:cNvPr>
@@ -11010,7 +10986,7 @@
                 <a16:creationId xmlns:a16="http://schemas.microsoft.com/office/drawing/2014/main" id="{C42D6896-7F87-AA61-3291-D40743EAD1B2}"/>
               </a:ext>
               <a:ext uri="{C183D7F6-B498-43B3-948B-1728B52AA6E4}">
-                <adec:decorative xmlns:adec="http://schemas.microsoft.com/office/drawing/2017/decorative" xmlns="" val="1"/>
+                <adec:decorative xmlns:adec="http://schemas.microsoft.com/office/drawing/2017/decorative" val="1"/>
               </a:ext>
             </a:extLst>
           </p:cNvPr>
@@ -11101,7 +11077,7 @@
                 <a16:creationId xmlns:a16="http://schemas.microsoft.com/office/drawing/2014/main" id="{9816D585-7278-AD71-F69E-E773B71D74AB}"/>
               </a:ext>
               <a:ext uri="{C183D7F6-B498-43B3-948B-1728B52AA6E4}">
-                <adec:decorative xmlns:adec="http://schemas.microsoft.com/office/drawing/2017/decorative" xmlns="" val="1"/>
+                <adec:decorative xmlns:adec="http://schemas.microsoft.com/office/drawing/2017/decorative" val="1"/>
               </a:ext>
             </a:extLst>
           </p:cNvPr>
@@ -11192,7 +11168,7 @@
                 <a16:creationId xmlns:a16="http://schemas.microsoft.com/office/drawing/2014/main" id="{C0FE503D-13D9-F020-9BD2-0633CA015198}"/>
               </a:ext>
               <a:ext uri="{C183D7F6-B498-43B3-948B-1728B52AA6E4}">
-                <adec:decorative xmlns:adec="http://schemas.microsoft.com/office/drawing/2017/decorative" xmlns="" val="1"/>
+                <adec:decorative xmlns:adec="http://schemas.microsoft.com/office/drawing/2017/decorative" val="1"/>
               </a:ext>
             </a:extLst>
           </p:cNvPr>
@@ -11283,7 +11259,7 @@
                 <a16:creationId xmlns:a16="http://schemas.microsoft.com/office/drawing/2014/main" id="{A68172A6-9CA6-42D6-8048-1640D322ED9E}"/>
               </a:ext>
               <a:ext uri="{C183D7F6-B498-43B3-948B-1728B52AA6E4}">
-                <adec:decorative xmlns:adec="http://schemas.microsoft.com/office/drawing/2017/decorative" xmlns="" val="1"/>
+                <adec:decorative xmlns:adec="http://schemas.microsoft.com/office/drawing/2017/decorative" val="1"/>
               </a:ext>
             </a:extLst>
           </p:cNvPr>
@@ -11372,7 +11348,7 @@
                 <a16:creationId xmlns:a16="http://schemas.microsoft.com/office/drawing/2014/main" id="{3BEF277E-8E68-494E-BC7F-7FE80E8D89E2}"/>
               </a:ext>
               <a:ext uri="{C183D7F6-B498-43B3-948B-1728B52AA6E4}">
-                <adec:decorative xmlns:adec="http://schemas.microsoft.com/office/drawing/2017/decorative" xmlns="" val="1"/>
+                <adec:decorative xmlns:adec="http://schemas.microsoft.com/office/drawing/2017/decorative" val="1"/>
               </a:ext>
             </a:extLst>
           </p:cNvPr>
@@ -11463,7 +11439,7 @@
                 <a16:creationId xmlns:a16="http://schemas.microsoft.com/office/drawing/2014/main" id="{1EA6BE53-67CD-8E25-95B9-B603366F232F}"/>
               </a:ext>
               <a:ext uri="{C183D7F6-B498-43B3-948B-1728B52AA6E4}">
-                <adec:decorative xmlns:adec="http://schemas.microsoft.com/office/drawing/2017/decorative" xmlns="" val="1"/>
+                <adec:decorative xmlns:adec="http://schemas.microsoft.com/office/drawing/2017/decorative" val="1"/>
               </a:ext>
             </a:extLst>
           </p:cNvPr>
@@ -11546,8 +11522,8 @@
           </a:p>
         </p:txBody>
       </p:sp>
-      <mc:AlternateContent xmlns:mc="http://schemas.openxmlformats.org/markup-compatibility/2006">
-        <mc:Choice xmlns:a14="http://schemas.microsoft.com/office/drawing/2010/main" Requires="a14">
+      <mc:AlternateContent xmlns:mc="http://schemas.openxmlformats.org/markup-compatibility/2006" xmlns:a14="http://schemas.microsoft.com/office/drawing/2010/main">
+        <mc:Choice Requires="a14">
           <p:sp>
             <p:nvSpPr>
               <p:cNvPr id="2" name="Title 1">
@@ -11577,17 +11553,6 @@
               <a:lstStyle/>
               <a:p>
                 <a:r>
-                  <a:rPr lang="en-US" sz="6000" b="0" kern="1200" cap="all" dirty="0" smtClean="0">
-                    <a:solidFill>
-                      <a:srgbClr val="FFFFFF"/>
-                    </a:solidFill>
-                    <a:latin typeface="+mj-lt"/>
-                    <a:ea typeface="+mj-ea"/>
-                    <a:cs typeface="+mj-cs"/>
-                  </a:rPr>
-                  <a:t>2.1.4 </a:t>
-                </a:r>
-                <a:r>
                   <a:rPr lang="en-US" sz="6000" b="0" kern="1200" cap="all" dirty="0">
                     <a:solidFill>
                       <a:srgbClr val="FFFFFF"/>
@@ -11596,7 +11561,7 @@
                     <a:ea typeface="+mj-ea"/>
                     <a:cs typeface="+mj-cs"/>
                   </a:rPr>
-                  <a:t>Standard error of </a:t>
+                  <a:t>2.1.4 Standard error of </a:t>
                 </a:r>
                 <a14:m>
                   <m:oMath xmlns:m="http://schemas.openxmlformats.org/officeDocument/2006/math">
@@ -11709,7 +11674,7 @@
             </p:txBody>
           </p:sp>
         </mc:Choice>
-        <mc:Fallback>
+        <mc:Fallback xmlns="">
           <p:sp>
             <p:nvSpPr>
               <p:cNvPr id="2" name="Title 1">
@@ -11761,7 +11726,7 @@
                 <a16:creationId xmlns:a16="http://schemas.microsoft.com/office/drawing/2014/main" id="{834155F7-FB93-3E03-6F7D-5365B7EB2034}"/>
               </a:ext>
               <a:ext uri="{C183D7F6-B498-43B3-948B-1728B52AA6E4}">
-                <adec:decorative xmlns:adec="http://schemas.microsoft.com/office/drawing/2017/decorative" xmlns="" val="1"/>
+                <adec:decorative xmlns:adec="http://schemas.microsoft.com/office/drawing/2017/decorative" val="1"/>
               </a:ext>
             </a:extLst>
           </p:cNvPr>
@@ -12474,13 +12439,6 @@
   <p:clrMapOvr>
     <a:masterClrMapping/>
   </p:clrMapOvr>
-  <p:timing>
-    <p:tnLst>
-      <p:par>
-        <p:cTn id="1" dur="indefinite" restart="never" nodeType="tmRoot"/>
-      </p:par>
-    </p:tnLst>
-  </p:timing>
 </p:sld>
 </file>
 
@@ -14003,10 +13961,9 @@
           <a:lstStyle/>
           <a:p>
             <a:r>
-              <a:rPr lang="en-US" dirty="0" smtClean="0"/>
+              <a:rPr lang="en-US" dirty="0"/>
               <a:t>Low uncertainty of any estimates is desirable properties. </a:t>
             </a:r>
-            <a:endParaRPr lang="en-US" dirty="0"/>
           </a:p>
         </p:txBody>
       </p:sp>
@@ -14365,7 +14322,7 @@
                 <a16:creationId xmlns:a16="http://schemas.microsoft.com/office/drawing/2014/main" id="{5D2272F1-D2E6-309A-7927-AE9F48FDAEA8}"/>
               </a:ext>
               <a:ext uri="{C183D7F6-B498-43B3-948B-1728B52AA6E4}">
-                <adec:decorative xmlns:adec="http://schemas.microsoft.com/office/drawing/2017/decorative" xmlns="" val="1"/>
+                <adec:decorative xmlns:adec="http://schemas.microsoft.com/office/drawing/2017/decorative" val="1"/>
               </a:ext>
             </a:extLst>
           </p:cNvPr>
@@ -14456,7 +14413,7 @@
                 <a16:creationId xmlns:a16="http://schemas.microsoft.com/office/drawing/2014/main" id="{90965267-B781-6F73-FC37-3D3B4E4AD1AC}"/>
               </a:ext>
               <a:ext uri="{C183D7F6-B498-43B3-948B-1728B52AA6E4}">
-                <adec:decorative xmlns:adec="http://schemas.microsoft.com/office/drawing/2017/decorative" xmlns="" val="1"/>
+                <adec:decorative xmlns:adec="http://schemas.microsoft.com/office/drawing/2017/decorative" val="1"/>
               </a:ext>
             </a:extLst>
           </p:cNvPr>
@@ -14547,7 +14504,7 @@
                 <a16:creationId xmlns:a16="http://schemas.microsoft.com/office/drawing/2014/main" id="{36934458-E4D3-AF20-96A0-27A057CD5908}"/>
               </a:ext>
               <a:ext uri="{C183D7F6-B498-43B3-948B-1728B52AA6E4}">
-                <adec:decorative xmlns:adec="http://schemas.microsoft.com/office/drawing/2017/decorative" xmlns="" val="1"/>
+                <adec:decorative xmlns:adec="http://schemas.microsoft.com/office/drawing/2017/decorative" val="1"/>
               </a:ext>
             </a:extLst>
           </p:cNvPr>
@@ -14638,7 +14595,7 @@
                 <a16:creationId xmlns:a16="http://schemas.microsoft.com/office/drawing/2014/main" id="{85328CE8-FE64-A0AD-BDE5-C7C361066BE2}"/>
               </a:ext>
               <a:ext uri="{C183D7F6-B498-43B3-948B-1728B52AA6E4}">
-                <adec:decorative xmlns:adec="http://schemas.microsoft.com/office/drawing/2017/decorative" xmlns="" val="1"/>
+                <adec:decorative xmlns:adec="http://schemas.microsoft.com/office/drawing/2017/decorative" val="1"/>
               </a:ext>
             </a:extLst>
           </p:cNvPr>
@@ -14729,7 +14686,7 @@
                 <a16:creationId xmlns:a16="http://schemas.microsoft.com/office/drawing/2014/main" id="{4FB4E5CE-9EC1-1907-D6EF-DCDF87B75DFB}"/>
               </a:ext>
               <a:ext uri="{C183D7F6-B498-43B3-948B-1728B52AA6E4}">
-                <adec:decorative xmlns:adec="http://schemas.microsoft.com/office/drawing/2017/decorative" xmlns="" val="1"/>
+                <adec:decorative xmlns:adec="http://schemas.microsoft.com/office/drawing/2017/decorative" val="1"/>
               </a:ext>
             </a:extLst>
           </p:cNvPr>
@@ -14818,7 +14775,7 @@
                 <a16:creationId xmlns:a16="http://schemas.microsoft.com/office/drawing/2014/main" id="{74511468-446B-DB7A-929A-0E4F824FA5EA}"/>
               </a:ext>
               <a:ext uri="{C183D7F6-B498-43B3-948B-1728B52AA6E4}">
-                <adec:decorative xmlns:adec="http://schemas.microsoft.com/office/drawing/2017/decorative" xmlns="" val="1"/>
+                <adec:decorative xmlns:adec="http://schemas.microsoft.com/office/drawing/2017/decorative" val="1"/>
               </a:ext>
             </a:extLst>
           </p:cNvPr>
@@ -14909,7 +14866,7 @@
                 <a16:creationId xmlns:a16="http://schemas.microsoft.com/office/drawing/2014/main" id="{A8F3AE38-FFD1-9C19-700D-AA4A1E201F18}"/>
               </a:ext>
               <a:ext uri="{C183D7F6-B498-43B3-948B-1728B52AA6E4}">
-                <adec:decorative xmlns:adec="http://schemas.microsoft.com/office/drawing/2017/decorative" xmlns="" val="1"/>
+                <adec:decorative xmlns:adec="http://schemas.microsoft.com/office/drawing/2017/decorative" val="1"/>
               </a:ext>
             </a:extLst>
           </p:cNvPr>
@@ -15021,17 +14978,6 @@
           <a:lstStyle/>
           <a:p>
             <a:r>
-              <a:rPr lang="en-US" sz="6000" b="0" kern="1200" cap="all" dirty="0" smtClean="0">
-                <a:solidFill>
-                  <a:srgbClr val="FFFFFF"/>
-                </a:solidFill>
-                <a:latin typeface="+mj-lt"/>
-                <a:ea typeface="+mj-ea"/>
-                <a:cs typeface="+mj-cs"/>
-              </a:rPr>
-              <a:t>2.1.5 confidence </a:t>
-            </a:r>
-            <a:r>
               <a:rPr lang="en-US" sz="6000" b="0" kern="1200" cap="all" dirty="0">
                 <a:solidFill>
                   <a:srgbClr val="FFFFFF"/>
@@ -15040,7 +14986,7 @@
                 <a:ea typeface="+mj-ea"/>
                 <a:cs typeface="+mj-cs"/>
               </a:rPr>
-              <a:t>interval</a:t>
+              <a:t>2.1.5 confidence interval</a:t>
             </a:r>
           </a:p>
         </p:txBody>
@@ -15053,7 +14999,7 @@
                 <a16:creationId xmlns:a16="http://schemas.microsoft.com/office/drawing/2014/main" id="{9FC7B9C9-B376-12DE-B600-5380FE9316A0}"/>
               </a:ext>
               <a:ext uri="{C183D7F6-B498-43B3-948B-1728B52AA6E4}">
-                <adec:decorative xmlns:adec="http://schemas.microsoft.com/office/drawing/2017/decorative" xmlns="" val="1"/>
+                <adec:decorative xmlns:adec="http://schemas.microsoft.com/office/drawing/2017/decorative" val="1"/>
               </a:ext>
             </a:extLst>
           </p:cNvPr>
@@ -15667,13 +15613,6 @@
   <p:clrMapOvr>
     <a:masterClrMapping/>
   </p:clrMapOvr>
-  <p:timing>
-    <p:tnLst>
-      <p:par>
-        <p:cTn id="1" dur="indefinite" restart="never" nodeType="tmRoot"/>
-      </p:par>
-    </p:tnLst>
-  </p:timing>
 </p:sld>
 </file>
 
@@ -15710,7 +15649,7 @@
                 <a16:creationId xmlns:a16="http://schemas.microsoft.com/office/drawing/2014/main" id="{DCF4EB5C-ED25-4675-8255-2F5B12CFFCF0}"/>
               </a:ext>
               <a:ext uri="{C183D7F6-B498-43B3-948B-1728B52AA6E4}">
-                <adec:decorative xmlns:adec="http://schemas.microsoft.com/office/drawing/2017/decorative" xmlns="" val="1"/>
+                <adec:decorative xmlns:adec="http://schemas.microsoft.com/office/drawing/2017/decorative" val="1"/>
               </a:ext>
             </a:extLst>
           </p:cNvPr>
@@ -15801,7 +15740,7 @@
                 <a16:creationId xmlns:a16="http://schemas.microsoft.com/office/drawing/2014/main" id="{9514EC6E-A557-42A2-BCDC-3ABFFC5E564D}"/>
               </a:ext>
               <a:ext uri="{C183D7F6-B498-43B3-948B-1728B52AA6E4}">
-                <adec:decorative xmlns:adec="http://schemas.microsoft.com/office/drawing/2017/decorative" xmlns="" val="1"/>
+                <adec:decorative xmlns:adec="http://schemas.microsoft.com/office/drawing/2017/decorative" val="1"/>
               </a:ext>
             </a:extLst>
           </p:cNvPr>
@@ -15892,7 +15831,7 @@
                 <a16:creationId xmlns:a16="http://schemas.microsoft.com/office/drawing/2014/main" id="{905482C9-EB42-4BFE-95BF-7FD661F07657}"/>
               </a:ext>
               <a:ext uri="{C183D7F6-B498-43B3-948B-1728B52AA6E4}">
-                <adec:decorative xmlns:adec="http://schemas.microsoft.com/office/drawing/2017/decorative" xmlns="" val="1"/>
+                <adec:decorative xmlns:adec="http://schemas.microsoft.com/office/drawing/2017/decorative" val="1"/>
               </a:ext>
             </a:extLst>
           </p:cNvPr>
@@ -15983,7 +15922,7 @@
                 <a16:creationId xmlns:a16="http://schemas.microsoft.com/office/drawing/2014/main" id="{7539E646-A625-4A26-86ED-BD90EDD329F7}"/>
               </a:ext>
               <a:ext uri="{C183D7F6-B498-43B3-948B-1728B52AA6E4}">
-                <adec:decorative xmlns:adec="http://schemas.microsoft.com/office/drawing/2017/decorative" xmlns="" val="1"/>
+                <adec:decorative xmlns:adec="http://schemas.microsoft.com/office/drawing/2017/decorative" val="1"/>
               </a:ext>
             </a:extLst>
           </p:cNvPr>
@@ -16074,7 +16013,7 @@
                 <a16:creationId xmlns:a16="http://schemas.microsoft.com/office/drawing/2014/main" id="{39171204-6A50-40E1-B631-84CEDFC9396A}"/>
               </a:ext>
               <a:ext uri="{C183D7F6-B498-43B3-948B-1728B52AA6E4}">
-                <adec:decorative xmlns:adec="http://schemas.microsoft.com/office/drawing/2017/decorative" xmlns="" val="1"/>
+                <adec:decorative xmlns:adec="http://schemas.microsoft.com/office/drawing/2017/decorative" val="1"/>
               </a:ext>
             </a:extLst>
           </p:cNvPr>
@@ -16163,7 +16102,7 @@
                 <a16:creationId xmlns:a16="http://schemas.microsoft.com/office/drawing/2014/main" id="{06C973F6-5187-412F-AACC-6E3FF8A6A12C}"/>
               </a:ext>
               <a:ext uri="{C183D7F6-B498-43B3-948B-1728B52AA6E4}">
-                <adec:decorative xmlns:adec="http://schemas.microsoft.com/office/drawing/2017/decorative" xmlns="" val="1"/>
+                <adec:decorative xmlns:adec="http://schemas.microsoft.com/office/drawing/2017/decorative" val="1"/>
               </a:ext>
             </a:extLst>
           </p:cNvPr>
@@ -16254,7 +16193,7 @@
                 <a16:creationId xmlns:a16="http://schemas.microsoft.com/office/drawing/2014/main" id="{D11AE14F-1B7E-41E6-B579-2F71D135036C}"/>
               </a:ext>
               <a:ext uri="{C183D7F6-B498-43B3-948B-1728B52AA6E4}">
-                <adec:decorative xmlns:adec="http://schemas.microsoft.com/office/drawing/2017/decorative" xmlns="" val="1"/>
+                <adec:decorative xmlns:adec="http://schemas.microsoft.com/office/drawing/2017/decorative" val="1"/>
               </a:ext>
             </a:extLst>
           </p:cNvPr>
@@ -16408,7 +16347,7 @@
                 <a16:creationId xmlns:a16="http://schemas.microsoft.com/office/drawing/2014/main" id="{752BB805-F7B7-4B80-A1C5-385D4DAF74D0}"/>
               </a:ext>
               <a:ext uri="{C183D7F6-B498-43B3-948B-1728B52AA6E4}">
-                <adec:decorative xmlns:adec="http://schemas.microsoft.com/office/drawing/2017/decorative" xmlns="" val="1"/>
+                <adec:decorative xmlns:adec="http://schemas.microsoft.com/office/drawing/2017/decorative" val="1"/>
               </a:ext>
             </a:extLst>
           </p:cNvPr>
@@ -16907,19 +16846,7 @@
                         <a:rPr lang="en-US" sz="2400" b="0" i="0" smtClean="0">
                           <a:latin typeface="Cambria Math" panose="02040503050406030204" pitchFamily="18" charset="0"/>
                         </a:rPr>
-                        <m:t>+ </m:t>
-                      </m:r>
-                      <m:r>
-                        <a:rPr lang="en-US" sz="2400" b="0" i="0" smtClean="0">
-                          <a:latin typeface="Cambria Math" panose="02040503050406030204" pitchFamily="18" charset="0"/>
-                        </a:rPr>
-                        <m:t>2</m:t>
-                      </m:r>
-                      <m:r>
-                        <a:rPr lang="en-US" sz="2400" b="0" i="0" smtClean="0">
-                          <a:latin typeface="Cambria Math" panose="02040503050406030204" pitchFamily="18" charset="0"/>
-                        </a:rPr>
-                        <m:t>∗</m:t>
+                        <m:t>+ 2∗</m:t>
                       </m:r>
                       <m:r>
                         <a:rPr lang="en-US" sz="2400" b="0" i="1" smtClean="0">
@@ -17004,13 +16931,7 @@
                         <a:rPr lang="en-US" sz="2400">
                           <a:latin typeface="Cambria Math" panose="02040503050406030204" pitchFamily="18" charset="0"/>
                         </a:rPr>
-                        <m:t>2</m:t>
-                      </m:r>
-                      <m:r>
-                        <a:rPr lang="en-US" sz="2400">
-                          <a:latin typeface="Cambria Math" panose="02040503050406030204" pitchFamily="18" charset="0"/>
-                        </a:rPr>
-                        <m:t>∗</m:t>
+                        <m:t>2∗</m:t>
                       </m:r>
                       <m:r>
                         <a:rPr lang="en-US" sz="2400" i="1">
@@ -17123,13 +17044,6 @@
   <p:clrMapOvr>
     <a:masterClrMapping/>
   </p:clrMapOvr>
-  <p:timing>
-    <p:tnLst>
-      <p:par>
-        <p:cTn id="1" dur="indefinite" restart="never" nodeType="tmRoot"/>
-      </p:par>
-    </p:tnLst>
-  </p:timing>
 </p:sld>
 </file>
 
@@ -17172,7 +17086,7 @@
                 <a16:creationId xmlns:a16="http://schemas.microsoft.com/office/drawing/2014/main" id="{B5FDEB71-C19D-5932-59BE-7E9017239489}"/>
               </a:ext>
               <a:ext uri="{C183D7F6-B498-43B3-948B-1728B52AA6E4}">
-                <adec:decorative xmlns:adec="http://schemas.microsoft.com/office/drawing/2017/decorative" xmlns="" val="1"/>
+                <adec:decorative xmlns:adec="http://schemas.microsoft.com/office/drawing/2017/decorative" val="1"/>
               </a:ext>
             </a:extLst>
           </p:cNvPr>
@@ -17263,7 +17177,7 @@
                 <a16:creationId xmlns:a16="http://schemas.microsoft.com/office/drawing/2014/main" id="{9B830D11-9E80-D9E2-0936-7D62FE1F20AD}"/>
               </a:ext>
               <a:ext uri="{C183D7F6-B498-43B3-948B-1728B52AA6E4}">
-                <adec:decorative xmlns:adec="http://schemas.microsoft.com/office/drawing/2017/decorative" xmlns="" val="1"/>
+                <adec:decorative xmlns:adec="http://schemas.microsoft.com/office/drawing/2017/decorative" val="1"/>
               </a:ext>
             </a:extLst>
           </p:cNvPr>
@@ -17354,7 +17268,7 @@
                 <a16:creationId xmlns:a16="http://schemas.microsoft.com/office/drawing/2014/main" id="{D0E45599-3270-B9EC-E7B3-96B11C9CCB1F}"/>
               </a:ext>
               <a:ext uri="{C183D7F6-B498-43B3-948B-1728B52AA6E4}">
-                <adec:decorative xmlns:adec="http://schemas.microsoft.com/office/drawing/2017/decorative" xmlns="" val="1"/>
+                <adec:decorative xmlns:adec="http://schemas.microsoft.com/office/drawing/2017/decorative" val="1"/>
               </a:ext>
             </a:extLst>
           </p:cNvPr>
@@ -17445,7 +17359,7 @@
                 <a16:creationId xmlns:a16="http://schemas.microsoft.com/office/drawing/2014/main" id="{E610B4E0-B53B-554A-7989-798A79148613}"/>
               </a:ext>
               <a:ext uri="{C183D7F6-B498-43B3-948B-1728B52AA6E4}">
-                <adec:decorative xmlns:adec="http://schemas.microsoft.com/office/drawing/2017/decorative" xmlns="" val="1"/>
+                <adec:decorative xmlns:adec="http://schemas.microsoft.com/office/drawing/2017/decorative" val="1"/>
               </a:ext>
             </a:extLst>
           </p:cNvPr>
@@ -17536,7 +17450,7 @@
                 <a16:creationId xmlns:a16="http://schemas.microsoft.com/office/drawing/2014/main" id="{DAC61DE9-DC21-F3E2-CE65-C77E9A817C98}"/>
               </a:ext>
               <a:ext uri="{C183D7F6-B498-43B3-948B-1728B52AA6E4}">
-                <adec:decorative xmlns:adec="http://schemas.microsoft.com/office/drawing/2017/decorative" xmlns="" val="1"/>
+                <adec:decorative xmlns:adec="http://schemas.microsoft.com/office/drawing/2017/decorative" val="1"/>
               </a:ext>
             </a:extLst>
           </p:cNvPr>
@@ -17625,7 +17539,7 @@
                 <a16:creationId xmlns:a16="http://schemas.microsoft.com/office/drawing/2014/main" id="{95ECF658-5DD9-AB10-7B96-D6AA50C48AD3}"/>
               </a:ext>
               <a:ext uri="{C183D7F6-B498-43B3-948B-1728B52AA6E4}">
-                <adec:decorative xmlns:adec="http://schemas.microsoft.com/office/drawing/2017/decorative" xmlns="" val="1"/>
+                <adec:decorative xmlns:adec="http://schemas.microsoft.com/office/drawing/2017/decorative" val="1"/>
               </a:ext>
             </a:extLst>
           </p:cNvPr>
@@ -17716,7 +17630,7 @@
                 <a16:creationId xmlns:a16="http://schemas.microsoft.com/office/drawing/2014/main" id="{302C4760-8FF7-696D-8225-76CE962161AA}"/>
               </a:ext>
               <a:ext uri="{C183D7F6-B498-43B3-948B-1728B52AA6E4}">
-                <adec:decorative xmlns:adec="http://schemas.microsoft.com/office/drawing/2017/decorative" xmlns="" val="1"/>
+                <adec:decorative xmlns:adec="http://schemas.microsoft.com/office/drawing/2017/decorative" val="1"/>
               </a:ext>
             </a:extLst>
           </p:cNvPr>
@@ -17799,8 +17713,8 @@
           </a:p>
         </p:txBody>
       </p:sp>
-      <mc:AlternateContent xmlns:mc="http://schemas.openxmlformats.org/markup-compatibility/2006">
-        <mc:Choice xmlns:a14="http://schemas.microsoft.com/office/drawing/2010/main" Requires="a14">
+      <mc:AlternateContent xmlns:mc="http://schemas.openxmlformats.org/markup-compatibility/2006" xmlns:a14="http://schemas.microsoft.com/office/drawing/2010/main">
+        <mc:Choice Requires="a14">
           <p:sp>
             <p:nvSpPr>
               <p:cNvPr id="2" name="Title 1">
@@ -17830,7 +17744,7 @@
               <a:lstStyle/>
               <a:p>
                 <a:r>
-                  <a:rPr lang="en-US" sz="6000" b="0" kern="1200" cap="all" dirty="0" smtClean="0">
+                  <a:rPr lang="en-US" sz="6000" b="0" kern="1200" cap="all" dirty="0">
                     <a:solidFill>
                       <a:srgbClr val="FFFFFF"/>
                     </a:solidFill>
@@ -17889,7 +17803,7 @@
             </p:txBody>
           </p:sp>
         </mc:Choice>
-        <mc:Fallback>
+        <mc:Fallback xmlns="">
           <p:sp>
             <p:nvSpPr>
               <p:cNvPr id="2" name="Title 1">
@@ -17941,7 +17855,7 @@
                 <a16:creationId xmlns:a16="http://schemas.microsoft.com/office/drawing/2014/main" id="{B7569BE4-30EE-4C44-2AF7-D6E8264471FA}"/>
               </a:ext>
               <a:ext uri="{C183D7F6-B498-43B3-948B-1728B52AA6E4}">
-                <adec:decorative xmlns:adec="http://schemas.microsoft.com/office/drawing/2017/decorative" xmlns="" val="1"/>
+                <adec:decorative xmlns:adec="http://schemas.microsoft.com/office/drawing/2017/decorative" val="1"/>
               </a:ext>
             </a:extLst>
           </p:cNvPr>
@@ -18345,8 +18259,8 @@
           </p:sp>
         </mc:Fallback>
       </mc:AlternateContent>
-      <mc:AlternateContent xmlns:mc="http://schemas.openxmlformats.org/markup-compatibility/2006">
-        <mc:Choice xmlns:a14="http://schemas.microsoft.com/office/drawing/2010/main" Requires="a14">
+      <mc:AlternateContent xmlns:mc="http://schemas.openxmlformats.org/markup-compatibility/2006" xmlns:a14="http://schemas.microsoft.com/office/drawing/2010/main">
+        <mc:Choice Requires="a14">
           <p:sp>
             <p:nvSpPr>
               <p:cNvPr id="6" name="TextBox 5">
@@ -18445,7 +18359,7 @@
                   </m:oMath>
                 </a14:m>
                 <a:r>
-                  <a:rPr lang="en-US" sz="2400" b="0" dirty="0" smtClean="0"/>
+                  <a:rPr lang="en-US" sz="2400" b="0" dirty="0"/>
                   <a:t> (There is no relationship between </a:t>
                 </a:r>
                 <a14:m>
@@ -18459,7 +18373,7 @@
                   </m:oMath>
                 </a14:m>
                 <a:r>
-                  <a:rPr lang="en-US" sz="2400" b="0" dirty="0" smtClean="0"/>
+                  <a:rPr lang="en-US" sz="2400" b="0" dirty="0"/>
                   <a:t> and </a:t>
                 </a:r>
                 <a14:m>
@@ -18473,10 +18387,9 @@
                   </m:oMath>
                 </a14:m>
                 <a:r>
-                  <a:rPr lang="en-US" sz="2400" b="0" dirty="0" smtClean="0"/>
+                  <a:rPr lang="en-US" sz="2400" b="0" dirty="0"/>
                   <a:t>)</a:t>
                 </a:r>
-                <a:endParaRPr lang="en-US" sz="2400" b="0" dirty="0"/>
               </a:p>
               <a:p>
                 <a:pPr marL="0" indent="0" algn="ctr">
@@ -18562,7 +18475,7 @@
                   </m:oMath>
                 </a14:m>
                 <a:r>
-                  <a:rPr lang="en-US" sz="2400" dirty="0" smtClean="0"/>
+                  <a:rPr lang="en-US" sz="2400" dirty="0"/>
                   <a:t> (There is some relationship between </a:t>
                 </a:r>
                 <a14:m>
@@ -18576,7 +18489,7 @@
                   </m:oMath>
                 </a14:m>
                 <a:r>
-                  <a:rPr lang="en-US" sz="2400" dirty="0" smtClean="0"/>
+                  <a:rPr lang="en-US" sz="2400" dirty="0"/>
                   <a:t> and </a:t>
                 </a:r>
                 <a14:m>
@@ -18590,15 +18503,14 @@
                   </m:oMath>
                 </a14:m>
                 <a:r>
-                  <a:rPr lang="en-US" sz="2400" dirty="0" smtClean="0"/>
+                  <a:rPr lang="en-US" sz="2400" dirty="0"/>
                   <a:t>)</a:t>
                 </a:r>
-                <a:endParaRPr lang="en-US" sz="2400" dirty="0"/>
               </a:p>
             </p:txBody>
           </p:sp>
         </mc:Choice>
-        <mc:Fallback>
+        <mc:Fallback xmlns="">
           <p:sp>
             <p:nvSpPr>
               <p:cNvPr id="6" name="TextBox 5">
@@ -18643,8 +18555,8 @@
           </p:sp>
         </mc:Fallback>
       </mc:AlternateContent>
-      <mc:AlternateContent xmlns:mc="http://schemas.openxmlformats.org/markup-compatibility/2006">
-        <mc:Choice xmlns:a14="http://schemas.microsoft.com/office/drawing/2010/main" Requires="a14">
+      <mc:AlternateContent xmlns:mc="http://schemas.openxmlformats.org/markup-compatibility/2006" xmlns:a14="http://schemas.microsoft.com/office/drawing/2010/main">
+        <mc:Choice Requires="a14">
           <p:sp>
             <p:nvSpPr>
               <p:cNvPr id="7" name="TextBox 6">
@@ -18737,7 +18649,7 @@
             </p:txBody>
           </p:sp>
         </mc:Choice>
-        <mc:Fallback>
+        <mc:Fallback xmlns="">
           <p:sp>
             <p:nvSpPr>
               <p:cNvPr id="7" name="TextBox 6">
@@ -18852,13 +18764,6 @@
   <p:clrMapOvr>
     <a:masterClrMapping/>
   </p:clrMapOvr>
-  <p:timing>
-    <p:tnLst>
-      <p:par>
-        <p:cTn id="1" dur="indefinite" restart="never" nodeType="tmRoot"/>
-      </p:par>
-    </p:tnLst>
-  </p:timing>
 </p:sld>
 </file>
 
@@ -18917,8 +18822,8 @@
           </a:p>
         </p:txBody>
       </p:sp>
-      <mc:AlternateContent xmlns:mc="http://schemas.openxmlformats.org/markup-compatibility/2006">
-        <mc:Choice xmlns:a14="http://schemas.microsoft.com/office/drawing/2010/main" Requires="a14">
+      <mc:AlternateContent xmlns:mc="http://schemas.openxmlformats.org/markup-compatibility/2006" xmlns:a14="http://schemas.microsoft.com/office/drawing/2010/main">
+        <mc:Choice Requires="a14">
           <p:sp>
             <p:nvSpPr>
               <p:cNvPr id="6" name="TextBox 5">
@@ -19065,7 +18970,7 @@
             </p:txBody>
           </p:sp>
         </mc:Choice>
-        <mc:Fallback>
+        <mc:Fallback xmlns="">
           <p:sp>
             <p:nvSpPr>
               <p:cNvPr id="6" name="TextBox 5">
@@ -19110,8 +19015,8 @@
           </p:sp>
         </mc:Fallback>
       </mc:AlternateContent>
-      <mc:AlternateContent xmlns:mc="http://schemas.openxmlformats.org/markup-compatibility/2006">
-        <mc:Choice xmlns:a14="http://schemas.microsoft.com/office/drawing/2010/main" Requires="a14">
+      <mc:AlternateContent xmlns:mc="http://schemas.openxmlformats.org/markup-compatibility/2006" xmlns:a14="http://schemas.microsoft.com/office/drawing/2010/main">
+        <mc:Choice Requires="a14">
           <p:sp>
             <p:nvSpPr>
               <p:cNvPr id="2" name="TextBox 1"/>
@@ -19135,7 +19040,7 @@
               <a:lstStyle/>
               <a:p>
                 <a:r>
-                  <a:rPr lang="en-US" dirty="0" smtClean="0"/>
+                  <a:rPr lang="en-US" dirty="0"/>
                   <a:t>p-value: A small p-value indicates that it is unlikely to observe such as substantial association between the </a:t>
                 </a:r>
                 <a14:m>
@@ -19149,7 +19054,7 @@
                   </m:oMath>
                 </a14:m>
                 <a:r>
-                  <a:rPr lang="en-US" dirty="0" smtClean="0"/>
+                  <a:rPr lang="en-US" dirty="0"/>
                   <a:t> and </a:t>
                 </a:r>
                 <a14:m>
@@ -19163,7 +19068,7 @@
                   </m:oMath>
                 </a14:m>
                 <a:r>
-                  <a:rPr lang="en-US" dirty="0" smtClean="0"/>
+                  <a:rPr lang="en-US" dirty="0"/>
                   <a:t>.</a:t>
                 </a:r>
               </a:p>
@@ -19172,15 +19077,14 @@
               </a:p>
               <a:p>
                 <a:r>
-                  <a:rPr lang="en-US" dirty="0" smtClean="0"/>
+                  <a:rPr lang="en-US" dirty="0"/>
                   <a:t>Reject the null hypothesis: if the p-value is small enough. Typical p-value cutoffs for rejecting the null hypothesis are 5 or 1%.  </a:t>
                 </a:r>
-                <a:endParaRPr lang="en-US" dirty="0"/>
               </a:p>
             </p:txBody>
           </p:sp>
         </mc:Choice>
-        <mc:Fallback>
+        <mc:Fallback xmlns="">
           <p:sp>
             <p:nvSpPr>
               <p:cNvPr id="2" name="TextBox 1"/>
@@ -19229,13 +19133,6 @@
   <p:clrMapOvr>
     <a:masterClrMapping/>
   </p:clrMapOvr>
-  <p:timing>
-    <p:tnLst>
-      <p:par>
-        <p:cTn id="1" dur="indefinite" restart="never" nodeType="tmRoot"/>
-      </p:par>
-    </p:tnLst>
-  </p:timing>
 </p:sld>
 </file>
 
@@ -19278,7 +19175,7 @@
                 <a16:creationId xmlns:a16="http://schemas.microsoft.com/office/drawing/2014/main" id="{0AFA4B71-6634-AE2F-4E8B-4C00ACD0309D}"/>
               </a:ext>
               <a:ext uri="{C183D7F6-B498-43B3-948B-1728B52AA6E4}">
-                <adec:decorative xmlns:adec="http://schemas.microsoft.com/office/drawing/2017/decorative" xmlns="" val="1"/>
+                <adec:decorative xmlns:adec="http://schemas.microsoft.com/office/drawing/2017/decorative" val="1"/>
               </a:ext>
             </a:extLst>
           </p:cNvPr>
@@ -19369,7 +19266,7 @@
                 <a16:creationId xmlns:a16="http://schemas.microsoft.com/office/drawing/2014/main" id="{2CAA08AC-1F89-A2E2-CD6D-6E0238811F2E}"/>
               </a:ext>
               <a:ext uri="{C183D7F6-B498-43B3-948B-1728B52AA6E4}">
-                <adec:decorative xmlns:adec="http://schemas.microsoft.com/office/drawing/2017/decorative" xmlns="" val="1"/>
+                <adec:decorative xmlns:adec="http://schemas.microsoft.com/office/drawing/2017/decorative" val="1"/>
               </a:ext>
             </a:extLst>
           </p:cNvPr>
@@ -19460,7 +19357,7 @@
                 <a16:creationId xmlns:a16="http://schemas.microsoft.com/office/drawing/2014/main" id="{6D0011FC-01CD-55C9-3F67-E4D7BA8F3115}"/>
               </a:ext>
               <a:ext uri="{C183D7F6-B498-43B3-948B-1728B52AA6E4}">
-                <adec:decorative xmlns:adec="http://schemas.microsoft.com/office/drawing/2017/decorative" xmlns="" val="1"/>
+                <adec:decorative xmlns:adec="http://schemas.microsoft.com/office/drawing/2017/decorative" val="1"/>
               </a:ext>
             </a:extLst>
           </p:cNvPr>
@@ -19551,7 +19448,7 @@
                 <a16:creationId xmlns:a16="http://schemas.microsoft.com/office/drawing/2014/main" id="{48568BE3-F71E-6154-5337-F38BA6A8200B}"/>
               </a:ext>
               <a:ext uri="{C183D7F6-B498-43B3-948B-1728B52AA6E4}">
-                <adec:decorative xmlns:adec="http://schemas.microsoft.com/office/drawing/2017/decorative" xmlns="" val="1"/>
+                <adec:decorative xmlns:adec="http://schemas.microsoft.com/office/drawing/2017/decorative" val="1"/>
               </a:ext>
             </a:extLst>
           </p:cNvPr>
@@ -19642,7 +19539,7 @@
                 <a16:creationId xmlns:a16="http://schemas.microsoft.com/office/drawing/2014/main" id="{0451CE8F-371F-0C7D-2F55-D1ECB3F37AFF}"/>
               </a:ext>
               <a:ext uri="{C183D7F6-B498-43B3-948B-1728B52AA6E4}">
-                <adec:decorative xmlns:adec="http://schemas.microsoft.com/office/drawing/2017/decorative" xmlns="" val="1"/>
+                <adec:decorative xmlns:adec="http://schemas.microsoft.com/office/drawing/2017/decorative" val="1"/>
               </a:ext>
             </a:extLst>
           </p:cNvPr>
@@ -19731,7 +19628,7 @@
                 <a16:creationId xmlns:a16="http://schemas.microsoft.com/office/drawing/2014/main" id="{389D07A7-9A8A-A7D9-0549-237E3477EDD6}"/>
               </a:ext>
               <a:ext uri="{C183D7F6-B498-43B3-948B-1728B52AA6E4}">
-                <adec:decorative xmlns:adec="http://schemas.microsoft.com/office/drawing/2017/decorative" xmlns="" val="1"/>
+                <adec:decorative xmlns:adec="http://schemas.microsoft.com/office/drawing/2017/decorative" val="1"/>
               </a:ext>
             </a:extLst>
           </p:cNvPr>
@@ -19822,7 +19719,7 @@
                 <a16:creationId xmlns:a16="http://schemas.microsoft.com/office/drawing/2014/main" id="{013B84A0-69E6-07B1-8D95-987DC06536B5}"/>
               </a:ext>
               <a:ext uri="{C183D7F6-B498-43B3-948B-1728B52AA6E4}">
-                <adec:decorative xmlns:adec="http://schemas.microsoft.com/office/drawing/2017/decorative" xmlns="" val="1"/>
+                <adec:decorative xmlns:adec="http://schemas.microsoft.com/office/drawing/2017/decorative" val="1"/>
               </a:ext>
             </a:extLst>
           </p:cNvPr>
@@ -19905,8 +19802,8 @@
           </a:p>
         </p:txBody>
       </p:sp>
-      <mc:AlternateContent xmlns:mc="http://schemas.openxmlformats.org/markup-compatibility/2006">
-        <mc:Choice xmlns:a14="http://schemas.microsoft.com/office/drawing/2010/main" Requires="a14">
+      <mc:AlternateContent xmlns:mc="http://schemas.openxmlformats.org/markup-compatibility/2006" xmlns:a14="http://schemas.microsoft.com/office/drawing/2010/main">
+        <mc:Choice Requires="a14">
           <p:sp>
             <p:nvSpPr>
               <p:cNvPr id="2" name="Title 1">
@@ -19936,7 +19833,7 @@
               <a:lstStyle/>
               <a:p>
                 <a:r>
-                  <a:rPr lang="en-US" sz="6000" b="0" kern="1200" cap="all" dirty="0" smtClean="0">
+                  <a:rPr lang="en-US" sz="6000" b="0" kern="1200" cap="all" dirty="0">
                     <a:solidFill>
                       <a:srgbClr val="FFFFFF"/>
                     </a:solidFill>
@@ -20088,7 +19985,7 @@
             </p:txBody>
           </p:sp>
         </mc:Choice>
-        <mc:Fallback>
+        <mc:Fallback xmlns="">
           <p:sp>
             <p:nvSpPr>
               <p:cNvPr id="2" name="Title 1">
@@ -20140,7 +20037,7 @@
                 <a16:creationId xmlns:a16="http://schemas.microsoft.com/office/drawing/2014/main" id="{D77FBC85-D9A6-42B7-C4B3-47E46B5BA906}"/>
               </a:ext>
               <a:ext uri="{C183D7F6-B498-43B3-948B-1728B52AA6E4}">
-                <adec:decorative xmlns:adec="http://schemas.microsoft.com/office/drawing/2017/decorative" xmlns="" val="1"/>
+                <adec:decorative xmlns:adec="http://schemas.microsoft.com/office/drawing/2017/decorative" val="1"/>
               </a:ext>
             </a:extLst>
           </p:cNvPr>
@@ -20368,15 +20265,14 @@
           <a:lstStyle/>
           <a:p>
             <a:r>
-              <a:rPr lang="en-US" dirty="0" smtClean="0"/>
+              <a:rPr lang="en-US" dirty="0"/>
               <a:t>Residual standard error</a:t>
             </a:r>
-            <a:endParaRPr lang="en-US" dirty="0"/>
           </a:p>
         </p:txBody>
       </p:sp>
-      <mc:AlternateContent xmlns:mc="http://schemas.openxmlformats.org/markup-compatibility/2006">
-        <mc:Choice xmlns:a14="http://schemas.microsoft.com/office/drawing/2010/main" Requires="a14">
+      <mc:AlternateContent xmlns:mc="http://schemas.openxmlformats.org/markup-compatibility/2006" xmlns:a14="http://schemas.microsoft.com/office/drawing/2010/main">
+        <mc:Choice Requires="a14">
           <p:sp>
             <p:nvSpPr>
               <p:cNvPr id="3" name="Content Placeholder 2"/>
@@ -20670,7 +20566,7 @@
             </p:txBody>
           </p:sp>
         </mc:Choice>
-        <mc:Fallback>
+        <mc:Fallback xmlns="">
           <p:sp>
             <p:nvSpPr>
               <p:cNvPr id="3" name="Content Placeholder 2"/>
@@ -20708,8 +20604,8 @@
           </p:sp>
         </mc:Fallback>
       </mc:AlternateContent>
-      <mc:AlternateContent xmlns:mc="http://schemas.openxmlformats.org/markup-compatibility/2006">
-        <mc:Choice xmlns:a14="http://schemas.microsoft.com/office/drawing/2010/main" Requires="a14">
+      <mc:AlternateContent xmlns:mc="http://schemas.openxmlformats.org/markup-compatibility/2006" xmlns:a14="http://schemas.microsoft.com/office/drawing/2010/main">
+        <mc:Choice Requires="a14">
           <p:sp>
             <p:nvSpPr>
               <p:cNvPr id="4" name="TextBox 3"/>
@@ -20733,7 +20629,7 @@
               <a:lstStyle/>
               <a:p>
                 <a:r>
-                  <a:rPr lang="en-US" sz="2400" dirty="0" smtClean="0"/>
+                  <a:rPr lang="en-US" sz="2400" dirty="0"/>
                   <a:t>The </a:t>
                 </a:r>
                 <a14:m>
@@ -20747,24 +20643,24 @@
                   </m:oMath>
                 </a14:m>
                 <a:r>
-                  <a:rPr lang="en-US" sz="2400" dirty="0" smtClean="0"/>
+                  <a:rPr lang="en-US" sz="2400" dirty="0"/>
                   <a:t> is considered a measure of the </a:t>
                 </a:r>
                 <a:r>
-                  <a:rPr lang="en-US" sz="2400" i="1" dirty="0" smtClean="0"/>
+                  <a:rPr lang="en-US" sz="2400" i="1" dirty="0"/>
                   <a:t>lack of fit </a:t>
                 </a:r>
                 <a:r>
-                  <a:rPr lang="en-US" sz="2400" dirty="0" smtClean="0"/>
+                  <a:rPr lang="en-US" sz="2400" dirty="0"/>
                   <a:t>of the model</a:t>
                 </a:r>
               </a:p>
               <a:p>
-                <a:endParaRPr lang="en-US" sz="2400" dirty="0" smtClean="0"/>
+                <a:endParaRPr lang="en-US" sz="2400" dirty="0"/>
               </a:p>
               <a:p>
                 <a:r>
-                  <a:rPr lang="en-US" sz="2400" dirty="0" smtClean="0"/>
+                  <a:rPr lang="en-US" sz="2400" dirty="0"/>
                   <a:t>Roughly speaking, it is the average amount that the </a:t>
                 </a:r>
                 <a14:m>
@@ -20809,7 +20705,7 @@
                   </m:oMath>
                 </a14:m>
                 <a:r>
-                  <a:rPr lang="en-US" sz="2400" dirty="0" smtClean="0"/>
+                  <a:rPr lang="en-US" sz="2400" dirty="0"/>
                   <a:t> will deviate from the </a:t>
                 </a:r>
                 <a14:m>
@@ -20847,12 +20743,12 @@
                     </m:r>
                   </m:oMath>
                 </a14:m>
-                <a:endParaRPr lang="en-US" sz="2400" b="0" dirty="0" smtClean="0"/>
+                <a:endParaRPr lang="en-US" sz="2400" b="0" dirty="0"/>
               </a:p>
             </p:txBody>
           </p:sp>
         </mc:Choice>
-        <mc:Fallback>
+        <mc:Fallback xmlns="">
           <p:sp>
             <p:nvSpPr>
               <p:cNvPr id="4" name="TextBox 3"/>
@@ -20914,10 +20810,9 @@
           <a:lstStyle/>
           <a:p>
             <a:r>
-              <a:rPr lang="en-US" dirty="0" smtClean="0"/>
+              <a:rPr lang="en-US" dirty="0"/>
               <a:t>For data with the same scale, Does a smaller RSE indicate a better or worse model fit?</a:t>
             </a:r>
-            <a:endParaRPr lang="en-US" dirty="0"/>
           </a:p>
         </p:txBody>
       </p:sp>
@@ -20931,13 +20826,6 @@
   <p:clrMapOvr>
     <a:masterClrMapping/>
   </p:clrMapOvr>
-  <p:timing>
-    <p:tnLst>
-      <p:par>
-        <p:cTn id="1" dur="indefinite" restart="never" nodeType="tmRoot"/>
-      </p:par>
-    </p:tnLst>
-  </p:timing>
 </p:sld>
 </file>
 
@@ -21070,7 +20958,19 @@
                         <a:rPr lang="en-US" sz="2400" b="0" i="1" smtClean="0">
                           <a:latin typeface="Cambria Math" panose="02040503050406030204" pitchFamily="18" charset="0"/>
                         </a:rPr>
-                        <m:t>=1−</m:t>
+                        <m:t>=</m:t>
+                      </m:r>
+                      <m:r>
+                        <a:rPr lang="en-US" sz="2400" b="0" i="1" smtClean="0">
+                          <a:latin typeface="Cambria Math" panose="02040503050406030204" pitchFamily="18" charset="0"/>
+                        </a:rPr>
+                        <m:t>1</m:t>
+                      </m:r>
+                      <m:r>
+                        <a:rPr lang="en-US" sz="2400" b="0" i="1" smtClean="0">
+                          <a:latin typeface="Cambria Math" panose="02040503050406030204" pitchFamily="18" charset="0"/>
+                        </a:rPr>
+                        <m:t>−</m:t>
                       </m:r>
                       <m:f>
                         <m:fPr>
@@ -21168,7 +21068,19 @@
                         <a:rPr lang="en-US" sz="2400" b="0" i="1" smtClean="0">
                           <a:latin typeface="Cambria Math" panose="02040503050406030204" pitchFamily="18" charset="0"/>
                         </a:rPr>
-                        <m:t>=1 −</m:t>
+                        <m:t>=</m:t>
+                      </m:r>
+                      <m:r>
+                        <a:rPr lang="en-US" sz="2400" b="0" i="1" smtClean="0">
+                          <a:latin typeface="Cambria Math" panose="02040503050406030204" pitchFamily="18" charset="0"/>
+                        </a:rPr>
+                        <m:t>1</m:t>
+                      </m:r>
+                      <m:r>
+                        <a:rPr lang="en-US" sz="2400" b="0" i="1" smtClean="0">
+                          <a:latin typeface="Cambria Math" panose="02040503050406030204" pitchFamily="18" charset="0"/>
+                        </a:rPr>
+                        <m:t> −</m:t>
                       </m:r>
                       <m:f>
                         <m:fPr>
@@ -21239,7 +21151,19 @@
                             <a:rPr lang="en-US" sz="2400" b="0" i="1" smtClean="0">
                               <a:latin typeface="Cambria Math" panose="02040503050406030204" pitchFamily="18" charset="0"/>
                             </a:rPr>
-                            <m:t>−1)</m:t>
+                            <m:t>−</m:t>
+                          </m:r>
+                          <m:r>
+                            <a:rPr lang="en-US" sz="2400" b="0" i="1" smtClean="0">
+                              <a:latin typeface="Cambria Math" panose="02040503050406030204" pitchFamily="18" charset="0"/>
+                            </a:rPr>
+                            <m:t>1</m:t>
+                          </m:r>
+                          <m:r>
+                            <a:rPr lang="en-US" sz="2400" b="0" i="1" smtClean="0">
+                              <a:latin typeface="Cambria Math" panose="02040503050406030204" pitchFamily="18" charset="0"/>
+                            </a:rPr>
+                            <m:t>)</m:t>
                           </m:r>
                         </m:den>
                       </m:f>
@@ -21341,13 +21265,6 @@
   <p:clrMapOvr>
     <a:masterClrMapping/>
   </p:clrMapOvr>
-  <p:timing>
-    <p:tnLst>
-      <p:par>
-        <p:cTn id="1" dur="indefinite" restart="never" nodeType="tmRoot"/>
-      </p:par>
-    </p:tnLst>
-  </p:timing>
 </p:sld>
 </file>
 
@@ -21390,7 +21307,7 @@
                 <a16:creationId xmlns:a16="http://schemas.microsoft.com/office/drawing/2014/main" id="{9DBDC282-0FC7-E97A-D803-E68F34414441}"/>
               </a:ext>
               <a:ext uri="{C183D7F6-B498-43B3-948B-1728B52AA6E4}">
-                <adec:decorative xmlns:adec="http://schemas.microsoft.com/office/drawing/2017/decorative" xmlns="" val="1"/>
+                <adec:decorative xmlns:adec="http://schemas.microsoft.com/office/drawing/2017/decorative" val="1"/>
               </a:ext>
             </a:extLst>
           </p:cNvPr>
@@ -21481,7 +21398,7 @@
                 <a16:creationId xmlns:a16="http://schemas.microsoft.com/office/drawing/2014/main" id="{FD0D10F0-166E-ED94-8F88-5AFDAAF5A27F}"/>
               </a:ext>
               <a:ext uri="{C183D7F6-B498-43B3-948B-1728B52AA6E4}">
-                <adec:decorative xmlns:adec="http://schemas.microsoft.com/office/drawing/2017/decorative" xmlns="" val="1"/>
+                <adec:decorative xmlns:adec="http://schemas.microsoft.com/office/drawing/2017/decorative" val="1"/>
               </a:ext>
             </a:extLst>
           </p:cNvPr>
@@ -21572,7 +21489,7 @@
                 <a16:creationId xmlns:a16="http://schemas.microsoft.com/office/drawing/2014/main" id="{E5434961-E90D-9385-AF58-628588BE0027}"/>
               </a:ext>
               <a:ext uri="{C183D7F6-B498-43B3-948B-1728B52AA6E4}">
-                <adec:decorative xmlns:adec="http://schemas.microsoft.com/office/drawing/2017/decorative" xmlns="" val="1"/>
+                <adec:decorative xmlns:adec="http://schemas.microsoft.com/office/drawing/2017/decorative" val="1"/>
               </a:ext>
             </a:extLst>
           </p:cNvPr>
@@ -21663,7 +21580,7 @@
                 <a16:creationId xmlns:a16="http://schemas.microsoft.com/office/drawing/2014/main" id="{B6EC25D2-23B6-9870-F073-5C6FFBC20FEF}"/>
               </a:ext>
               <a:ext uri="{C183D7F6-B498-43B3-948B-1728B52AA6E4}">
-                <adec:decorative xmlns:adec="http://schemas.microsoft.com/office/drawing/2017/decorative" xmlns="" val="1"/>
+                <adec:decorative xmlns:adec="http://schemas.microsoft.com/office/drawing/2017/decorative" val="1"/>
               </a:ext>
             </a:extLst>
           </p:cNvPr>
@@ -21754,7 +21671,7 @@
                 <a16:creationId xmlns:a16="http://schemas.microsoft.com/office/drawing/2014/main" id="{55E5089E-B78A-247C-14E9-D947386D704C}"/>
               </a:ext>
               <a:ext uri="{C183D7F6-B498-43B3-948B-1728B52AA6E4}">
-                <adec:decorative xmlns:adec="http://schemas.microsoft.com/office/drawing/2017/decorative" xmlns="" val="1"/>
+                <adec:decorative xmlns:adec="http://schemas.microsoft.com/office/drawing/2017/decorative" val="1"/>
               </a:ext>
             </a:extLst>
           </p:cNvPr>
@@ -21843,7 +21760,7 @@
                 <a16:creationId xmlns:a16="http://schemas.microsoft.com/office/drawing/2014/main" id="{8ED71421-6733-846C-842E-A1B38BF84229}"/>
               </a:ext>
               <a:ext uri="{C183D7F6-B498-43B3-948B-1728B52AA6E4}">
-                <adec:decorative xmlns:adec="http://schemas.microsoft.com/office/drawing/2017/decorative" xmlns="" val="1"/>
+                <adec:decorative xmlns:adec="http://schemas.microsoft.com/office/drawing/2017/decorative" val="1"/>
               </a:ext>
             </a:extLst>
           </p:cNvPr>
@@ -21934,7 +21851,7 @@
                 <a16:creationId xmlns:a16="http://schemas.microsoft.com/office/drawing/2014/main" id="{5277E5D7-3059-ABB6-17FB-98D78A294EBD}"/>
               </a:ext>
               <a:ext uri="{C183D7F6-B498-43B3-948B-1728B52AA6E4}">
-                <adec:decorative xmlns:adec="http://schemas.microsoft.com/office/drawing/2017/decorative" xmlns="" val="1"/>
+                <adec:decorative xmlns:adec="http://schemas.microsoft.com/office/drawing/2017/decorative" val="1"/>
               </a:ext>
             </a:extLst>
           </p:cNvPr>
@@ -22046,17 +21963,6 @@
           <a:lstStyle/>
           <a:p>
             <a:r>
-              <a:rPr lang="en-US" sz="6000" b="0" kern="1200" cap="all" dirty="0" smtClean="0">
-                <a:solidFill>
-                  <a:srgbClr val="FFFFFF"/>
-                </a:solidFill>
-                <a:latin typeface="+mj-lt"/>
-                <a:ea typeface="+mj-ea"/>
-                <a:cs typeface="+mj-cs"/>
-              </a:rPr>
-              <a:t>2.1.8 </a:t>
-            </a:r>
-            <a:r>
               <a:rPr lang="en-US" sz="6000" b="0" kern="1200" cap="all" dirty="0">
                 <a:solidFill>
                   <a:srgbClr val="FFFFFF"/>
@@ -22065,7 +21971,7 @@
                 <a:ea typeface="+mj-ea"/>
                 <a:cs typeface="+mj-cs"/>
               </a:rPr>
-              <a:t>key assumption on regression analysis</a:t>
+              <a:t>2.1.8 key assumption on regression analysis</a:t>
             </a:r>
           </a:p>
         </p:txBody>
@@ -22078,7 +21984,7 @@
                 <a16:creationId xmlns:a16="http://schemas.microsoft.com/office/drawing/2014/main" id="{1DB651C3-D726-C53D-DB1B-1DE101F06AE6}"/>
               </a:ext>
               <a:ext uri="{C183D7F6-B498-43B3-948B-1728B52AA6E4}">
-                <adec:decorative xmlns:adec="http://schemas.microsoft.com/office/drawing/2017/decorative" xmlns="" val="1"/>
+                <adec:decorative xmlns:adec="http://schemas.microsoft.com/office/drawing/2017/decorative" val="1"/>
               </a:ext>
             </a:extLst>
           </p:cNvPr>
@@ -22276,2637 +22182,6 @@
         <p:cNvPr id="1" name="">
           <a:extLst>
             <a:ext uri="{FF2B5EF4-FFF2-40B4-BE49-F238E27FC236}">
-              <a16:creationId xmlns:a16="http://schemas.microsoft.com/office/drawing/2014/main" id="{9A073C63-E2BD-3E74-2E01-C6DF48D3CF81}"/>
-            </a:ext>
-          </a:extLst>
-        </p:cNvPr>
-        <p:cNvGrpSpPr/>
-        <p:nvPr/>
-      </p:nvGrpSpPr>
-      <p:grpSpPr>
-        <a:xfrm>
-          <a:off x="0" y="0"/>
-          <a:ext cx="0" cy="0"/>
-          <a:chOff x="0" y="0"/>
-          <a:chExt cx="0" cy="0"/>
-        </a:xfrm>
-      </p:grpSpPr>
-      <p:sp>
-        <p:nvSpPr>
-          <p:cNvPr id="3" name="Content Placeholder 2">
-            <a:extLst>
-              <a:ext uri="{FF2B5EF4-FFF2-40B4-BE49-F238E27FC236}">
-                <a16:creationId xmlns:a16="http://schemas.microsoft.com/office/drawing/2014/main" id="{5CEA9FBE-A4D0-BFB0-0571-84ECEA289BBD}"/>
-              </a:ext>
-            </a:extLst>
-          </p:cNvPr>
-          <p:cNvSpPr>
-            <a:spLocks noGrp="1"/>
-          </p:cNvSpPr>
-          <p:nvPr>
-            <p:ph idx="1"/>
-          </p:nvPr>
-        </p:nvSpPr>
-        <p:spPr>
-          <a:xfrm>
-            <a:off x="504993" y="899990"/>
-            <a:ext cx="11029615" cy="1389553"/>
-          </a:xfrm>
-        </p:spPr>
-        <p:txBody>
-          <a:bodyPr>
-            <a:noAutofit/>
-          </a:bodyPr>
-          <a:lstStyle/>
-          <a:p>
-            <a:pPr marL="342900" indent="-342900">
-              <a:buFont typeface="+mj-lt"/>
-              <a:buAutoNum type="arabicPeriod"/>
-            </a:pPr>
-            <a:r>
-              <a:rPr lang="en-US" sz="2800" dirty="0"/>
-              <a:t>Linearity: The relationship between the independent variable and dependent variable is </a:t>
-            </a:r>
-            <a:r>
-              <a:rPr lang="en-US" sz="2800" b="1" dirty="0"/>
-              <a:t>linear</a:t>
-            </a:r>
-            <a:r>
-              <a:rPr lang="en-US" sz="2800" dirty="0"/>
-              <a:t>, if there is a nonlinear trend, an advanced regression method should be applied</a:t>
-            </a:r>
-          </a:p>
-        </p:txBody>
-      </p:sp>
-      <p:pic>
-        <p:nvPicPr>
-          <p:cNvPr id="7" name="Picture 6">
-            <a:extLst>
-              <a:ext uri="{FF2B5EF4-FFF2-40B4-BE49-F238E27FC236}">
-                <a16:creationId xmlns:a16="http://schemas.microsoft.com/office/drawing/2014/main" id="{2935838F-EB53-40FA-FADC-A9E96058280F}"/>
-              </a:ext>
-            </a:extLst>
-          </p:cNvPr>
-          <p:cNvPicPr>
-            <a:picLocks noChangeAspect="1"/>
-          </p:cNvPicPr>
-          <p:nvPr/>
-        </p:nvPicPr>
-        <p:blipFill>
-          <a:blip r:embed="rId2"/>
-          <a:stretch>
-            <a:fillRect/>
-          </a:stretch>
-        </p:blipFill>
-        <p:spPr>
-          <a:xfrm>
-            <a:off x="360877" y="2816615"/>
-            <a:ext cx="3506529" cy="4032508"/>
-          </a:xfrm>
-          <a:prstGeom prst="rect">
-            <a:avLst/>
-          </a:prstGeom>
-        </p:spPr>
-      </p:pic>
-      <p:sp>
-        <p:nvSpPr>
-          <p:cNvPr id="8" name="TextBox 7">
-            <a:extLst>
-              <a:ext uri="{FF2B5EF4-FFF2-40B4-BE49-F238E27FC236}">
-                <a16:creationId xmlns:a16="http://schemas.microsoft.com/office/drawing/2014/main" id="{B46E4BA7-2C92-16D0-92C0-BE26C2553B5D}"/>
-              </a:ext>
-            </a:extLst>
-          </p:cNvPr>
-          <p:cNvSpPr txBox="1"/>
-          <p:nvPr/>
-        </p:nvSpPr>
-        <p:spPr>
-          <a:xfrm>
-            <a:off x="3696766" y="4099881"/>
-            <a:ext cx="2992581" cy="369332"/>
-          </a:xfrm>
-          <a:prstGeom prst="rect">
-            <a:avLst/>
-          </a:prstGeom>
-          <a:noFill/>
-        </p:spPr>
-        <p:txBody>
-          <a:bodyPr wrap="square" rtlCol="0">
-            <a:spAutoFit/>
-          </a:bodyPr>
-          <a:lstStyle/>
-          <a:p>
-            <a:pPr marL="0" marR="0" lvl="0" indent="0" algn="l" defTabSz="457200" rtl="0" eaLnBrk="1" fontAlgn="auto" latinLnBrk="0" hangingPunct="1">
-              <a:lnSpc>
-                <a:spcPct val="100000"/>
-              </a:lnSpc>
-              <a:spcBef>
-                <a:spcPts val="0"/>
-              </a:spcBef>
-              <a:spcAft>
-                <a:spcPts val="0"/>
-              </a:spcAft>
-              <a:buClrTx/>
-              <a:buSzTx/>
-              <a:buFontTx/>
-              <a:buNone/>
-              <a:tabLst/>
-              <a:defRPr/>
-            </a:pPr>
-            <a:r>
-              <a:rPr kumimoji="0" lang="en-US" sz="1800" b="0" i="0" u="none" strike="noStrike" kern="1200" cap="none" spc="0" normalizeH="0" baseline="0" noProof="0" dirty="0">
-                <a:ln>
-                  <a:noFill/>
-                </a:ln>
-                <a:solidFill>
-                  <a:srgbClr val="000000"/>
-                </a:solidFill>
-                <a:effectLst/>
-                <a:uLnTx/>
-                <a:uFillTx/>
-                <a:latin typeface="Calibri"/>
-                <a:ea typeface="+mn-ea"/>
-                <a:cs typeface="+mn-cs"/>
-              </a:rPr>
-              <a:t>Liner regression line</a:t>
-            </a:r>
-          </a:p>
-        </p:txBody>
-      </p:sp>
-      <p:sp>
-        <p:nvSpPr>
-          <p:cNvPr id="9" name="TextBox 8">
-            <a:extLst>
-              <a:ext uri="{FF2B5EF4-FFF2-40B4-BE49-F238E27FC236}">
-                <a16:creationId xmlns:a16="http://schemas.microsoft.com/office/drawing/2014/main" id="{88E37DA9-B9AB-7702-3150-7CE57B679A96}"/>
-              </a:ext>
-            </a:extLst>
-          </p:cNvPr>
-          <p:cNvSpPr txBox="1"/>
-          <p:nvPr/>
-        </p:nvSpPr>
-        <p:spPr>
-          <a:xfrm>
-            <a:off x="3696766" y="5752479"/>
-            <a:ext cx="3657600" cy="646331"/>
-          </a:xfrm>
-          <a:prstGeom prst="rect">
-            <a:avLst/>
-          </a:prstGeom>
-          <a:noFill/>
-        </p:spPr>
-        <p:txBody>
-          <a:bodyPr wrap="square" rtlCol="0">
-            <a:spAutoFit/>
-          </a:bodyPr>
-          <a:lstStyle/>
-          <a:p>
-            <a:pPr marL="0" marR="0" lvl="0" indent="0" algn="l" defTabSz="457200" rtl="0" eaLnBrk="1" fontAlgn="auto" latinLnBrk="0" hangingPunct="1">
-              <a:lnSpc>
-                <a:spcPct val="100000"/>
-              </a:lnSpc>
-              <a:spcBef>
-                <a:spcPts val="0"/>
-              </a:spcBef>
-              <a:spcAft>
-                <a:spcPts val="0"/>
-              </a:spcAft>
-              <a:buClrTx/>
-              <a:buSzTx/>
-              <a:buFontTx/>
-              <a:buNone/>
-              <a:tabLst/>
-              <a:defRPr/>
-            </a:pPr>
-            <a:r>
-              <a:rPr kumimoji="0" lang="en-US" sz="1800" b="0" i="0" u="none" strike="noStrike" kern="1200" cap="none" spc="0" normalizeH="0" baseline="0" noProof="0" dirty="0">
-                <a:ln>
-                  <a:noFill/>
-                </a:ln>
-                <a:solidFill>
-                  <a:srgbClr val="000000"/>
-                </a:solidFill>
-                <a:effectLst/>
-                <a:uLnTx/>
-                <a:uFillTx/>
-                <a:latin typeface="Calibri"/>
-                <a:ea typeface="+mn-ea"/>
-                <a:cs typeface="+mn-cs"/>
-              </a:rPr>
-              <a:t>Residual plot is a useful graphical tool for identifying non-linearity. </a:t>
-            </a:r>
-          </a:p>
-        </p:txBody>
-      </p:sp>
-      <p:sp>
-        <p:nvSpPr>
-          <p:cNvPr id="2" name="TextBox 1">
-            <a:extLst>
-              <a:ext uri="{FF2B5EF4-FFF2-40B4-BE49-F238E27FC236}">
-                <a16:creationId xmlns:a16="http://schemas.microsoft.com/office/drawing/2014/main" id="{19BE4465-456B-054F-62F7-C5D4C3F0D532}"/>
-              </a:ext>
-            </a:extLst>
-          </p:cNvPr>
-          <p:cNvSpPr txBox="1"/>
-          <p:nvPr/>
-        </p:nvSpPr>
-        <p:spPr>
-          <a:xfrm>
-            <a:off x="793172" y="2640714"/>
-            <a:ext cx="2798086" cy="369332"/>
-          </a:xfrm>
-          <a:prstGeom prst="rect">
-            <a:avLst/>
-          </a:prstGeom>
-          <a:noFill/>
-        </p:spPr>
-        <p:txBody>
-          <a:bodyPr wrap="square" rtlCol="0">
-            <a:spAutoFit/>
-          </a:bodyPr>
-          <a:lstStyle/>
-          <a:p>
-            <a:pPr marL="0" marR="0" lvl="0" indent="0" algn="l" defTabSz="457200" rtl="0" eaLnBrk="1" fontAlgn="auto" latinLnBrk="0" hangingPunct="1">
-              <a:lnSpc>
-                <a:spcPct val="100000"/>
-              </a:lnSpc>
-              <a:spcBef>
-                <a:spcPts val="0"/>
-              </a:spcBef>
-              <a:spcAft>
-                <a:spcPts val="0"/>
-              </a:spcAft>
-              <a:buClrTx/>
-              <a:buSzTx/>
-              <a:buFontTx/>
-              <a:buNone/>
-              <a:tabLst/>
-              <a:defRPr/>
-            </a:pPr>
-            <a:r>
-              <a:rPr kumimoji="0" lang="en-US" sz="1800" b="0" i="0" u="none" strike="noStrike" kern="1200" cap="none" spc="0" normalizeH="0" baseline="0" noProof="0" dirty="0" smtClean="0">
-                <a:ln>
-                  <a:noFill/>
-                </a:ln>
-                <a:solidFill>
-                  <a:srgbClr val="000000"/>
-                </a:solidFill>
-                <a:effectLst/>
-                <a:uLnTx/>
-                <a:uFillTx/>
-                <a:latin typeface="Calibri"/>
-                <a:ea typeface="+mn-ea"/>
-                <a:cs typeface="+mn-cs"/>
-              </a:rPr>
-              <a:t>Non-linearity</a:t>
-            </a:r>
-            <a:r>
-              <a:rPr kumimoji="0" lang="en-US" sz="1800" b="0" i="0" u="none" strike="noStrike" kern="1200" cap="none" spc="0" normalizeH="0" noProof="0" dirty="0" smtClean="0">
-                <a:ln>
-                  <a:noFill/>
-                </a:ln>
-                <a:solidFill>
-                  <a:srgbClr val="000000"/>
-                </a:solidFill>
-                <a:effectLst/>
-                <a:uLnTx/>
-                <a:uFillTx/>
-                <a:latin typeface="Calibri"/>
-                <a:ea typeface="+mn-ea"/>
-                <a:cs typeface="+mn-cs"/>
-              </a:rPr>
-              <a:t> of the Data</a:t>
-            </a:r>
-            <a:endParaRPr kumimoji="0" lang="en-US" sz="1800" b="0" i="0" u="none" strike="noStrike" kern="1200" cap="none" spc="0" normalizeH="0" baseline="0" noProof="0" dirty="0">
-              <a:ln>
-                <a:noFill/>
-              </a:ln>
-              <a:solidFill>
-                <a:srgbClr val="000000"/>
-              </a:solidFill>
-              <a:effectLst/>
-              <a:uLnTx/>
-              <a:uFillTx/>
-              <a:latin typeface="Calibri"/>
-              <a:ea typeface="+mn-ea"/>
-              <a:cs typeface="+mn-cs"/>
-            </a:endParaRPr>
-          </a:p>
-        </p:txBody>
-      </p:sp>
-    </p:spTree>
-    <p:extLst>
-      <p:ext uri="{BB962C8B-B14F-4D97-AF65-F5344CB8AC3E}">
-        <p14:creationId xmlns:p14="http://schemas.microsoft.com/office/powerpoint/2010/main" val="1084457923"/>
-      </p:ext>
-    </p:extLst>
-  </p:cSld>
-  <p:clrMapOvr>
-    <a:masterClrMapping/>
-  </p:clrMapOvr>
-  <p:timing>
-    <p:tnLst>
-      <p:par>
-        <p:cTn id="1" dur="indefinite" restart="never" nodeType="tmRoot"/>
-      </p:par>
-    </p:tnLst>
-  </p:timing>
-</p:sld>
-</file>
-
-<file path=ppt/slides/slide29.xml><?xml version="1.0" encoding="utf-8"?>
-<p:sld xmlns:a="http://schemas.openxmlformats.org/drawingml/2006/main" xmlns:r="http://schemas.openxmlformats.org/officeDocument/2006/relationships" xmlns:p="http://schemas.openxmlformats.org/presentationml/2006/main">
-  <p:cSld>
-    <p:spTree>
-      <p:nvGrpSpPr>
-        <p:cNvPr id="1" name="">
-          <a:extLst>
-            <a:ext uri="{FF2B5EF4-FFF2-40B4-BE49-F238E27FC236}">
-              <a16:creationId xmlns:a16="http://schemas.microsoft.com/office/drawing/2014/main" id="{DEE16893-A4B0-9C50-1ACD-759EE81E0F7F}"/>
-            </a:ext>
-          </a:extLst>
-        </p:cNvPr>
-        <p:cNvGrpSpPr/>
-        <p:nvPr/>
-      </p:nvGrpSpPr>
-      <p:grpSpPr>
-        <a:xfrm>
-          <a:off x="0" y="0"/>
-          <a:ext cx="0" cy="0"/>
-          <a:chOff x="0" y="0"/>
-          <a:chExt cx="0" cy="0"/>
-        </a:xfrm>
-      </p:grpSpPr>
-      <p:pic>
-        <p:nvPicPr>
-          <p:cNvPr id="3" name="Picture 2"/>
-          <p:cNvPicPr>
-            <a:picLocks noChangeAspect="1"/>
-          </p:cNvPicPr>
-          <p:nvPr/>
-        </p:nvPicPr>
-        <p:blipFill>
-          <a:blip r:embed="rId2"/>
-          <a:stretch>
-            <a:fillRect/>
-          </a:stretch>
-        </p:blipFill>
-        <p:spPr>
-          <a:xfrm>
-            <a:off x="2080844" y="2049199"/>
-            <a:ext cx="8804033" cy="4701246"/>
-          </a:xfrm>
-          <a:prstGeom prst="rect">
-            <a:avLst/>
-          </a:prstGeom>
-        </p:spPr>
-      </p:pic>
-      <mc:AlternateContent xmlns:mc="http://schemas.openxmlformats.org/markup-compatibility/2006" xmlns:a14="http://schemas.microsoft.com/office/drawing/2010/main">
-        <mc:Choice Requires="a14">
-          <p:sp>
-            <p:nvSpPr>
-              <p:cNvPr id="4" name="Content Placeholder 2">
-                <a:extLst>
-                  <a:ext uri="{FF2B5EF4-FFF2-40B4-BE49-F238E27FC236}">
-                    <a16:creationId xmlns:a16="http://schemas.microsoft.com/office/drawing/2014/main" id="{0A732861-182C-D127-76CF-9D7D957400E2}"/>
-                  </a:ext>
-                </a:extLst>
-              </p:cNvPr>
-              <p:cNvSpPr>
-                <a:spLocks noGrp="1"/>
-              </p:cNvSpPr>
-              <p:nvPr>
-                <p:ph idx="1"/>
-              </p:nvPr>
-            </p:nvSpPr>
-            <p:spPr>
-              <a:xfrm>
-                <a:off x="525607" y="602818"/>
-                <a:ext cx="11029950" cy="1135928"/>
-              </a:xfrm>
-            </p:spPr>
-            <p:txBody>
-              <a:bodyPr>
-                <a:noAutofit/>
-              </a:bodyPr>
-              <a:lstStyle/>
-              <a:p>
-                <a:pPr marL="0" indent="0">
-                  <a:buNone/>
-                </a:pPr>
-                <a:r>
-                  <a:rPr lang="en-US" sz="2800" dirty="0"/>
-                  <a:t>2. The error at any level of </a:t>
-                </a:r>
-                <a14:m>
-                  <m:oMath xmlns:m="http://schemas.openxmlformats.org/officeDocument/2006/math">
-                    <m:sSub>
-                      <m:sSubPr>
-                        <m:ctrlPr>
-                          <a:rPr lang="en-US" sz="2800" b="0" i="1" smtClean="0">
-                            <a:latin typeface="Cambria Math" panose="02040503050406030204" pitchFamily="18" charset="0"/>
-                          </a:rPr>
-                        </m:ctrlPr>
-                      </m:sSubPr>
-                      <m:e>
-                        <m:r>
-                          <a:rPr lang="en-US" sz="2800" b="0" i="1" smtClean="0">
-                            <a:latin typeface="Cambria Math" panose="02040503050406030204" pitchFamily="18" charset="0"/>
-                          </a:rPr>
-                          <m:t>𝑥</m:t>
-                        </m:r>
-                      </m:e>
-                      <m:sub>
-                        <m:r>
-                          <a:rPr lang="en-US" sz="2800" b="0" i="1" smtClean="0">
-                            <a:latin typeface="Cambria Math" panose="02040503050406030204" pitchFamily="18" charset="0"/>
-                          </a:rPr>
-                          <m:t>𝑖</m:t>
-                        </m:r>
-                      </m:sub>
-                    </m:sSub>
-                  </m:oMath>
-                </a14:m>
-                <a:r>
-                  <a:rPr lang="en-US" sz="2800" dirty="0"/>
-                  <a:t> share an </a:t>
-                </a:r>
-                <a:r>
-                  <a:rPr lang="en-US" sz="2800" b="1" dirty="0"/>
-                  <a:t>identical distribution</a:t>
-                </a:r>
-                <a:r>
-                  <a:rPr lang="en-US" sz="2800" dirty="0"/>
-                  <a:t>, with </a:t>
-                </a:r>
-                <a14:m>
-                  <m:oMath xmlns:m="http://schemas.openxmlformats.org/officeDocument/2006/math">
-                    <m:r>
-                      <a:rPr lang="en-US" sz="2800" b="0" i="1" smtClean="0">
-                        <a:latin typeface="Cambria Math" panose="02040503050406030204" pitchFamily="18" charset="0"/>
-                      </a:rPr>
-                      <m:t>𝑚𝑒𝑎𝑛</m:t>
-                    </m:r>
-                    <m:r>
-                      <a:rPr lang="en-US" sz="2800" b="0" i="1" smtClean="0">
-                        <a:latin typeface="Cambria Math" panose="02040503050406030204" pitchFamily="18" charset="0"/>
-                      </a:rPr>
-                      <m:t>=</m:t>
-                    </m:r>
-                    <m:r>
-                      <a:rPr lang="en-US" sz="2800" b="0" i="1" smtClean="0">
-                        <a:latin typeface="Cambria Math" panose="02040503050406030204" pitchFamily="18" charset="0"/>
-                      </a:rPr>
-                      <m:t>0</m:t>
-                    </m:r>
-                  </m:oMath>
-                </a14:m>
-                <a:r>
-                  <a:rPr lang="en-US" sz="2800" dirty="0"/>
-                  <a:t> and constant variance</a:t>
-                </a:r>
-              </a:p>
-            </p:txBody>
-          </p:sp>
-        </mc:Choice>
-        <mc:Fallback xmlns="">
-          <p:sp>
-            <p:nvSpPr>
-              <p:cNvPr id="4" name="Content Placeholder 2">
-                <a:extLst>
-                  <a:ext uri="{FF2B5EF4-FFF2-40B4-BE49-F238E27FC236}">
-                    <a16:creationId xmlns:a16="http://schemas.microsoft.com/office/drawing/2014/main" id="{EBC8AD9D-E60C-DD5B-1BD5-B337750B2D2C}"/>
-                  </a:ext>
-                </a:extLst>
-              </p:cNvPr>
-              <p:cNvSpPr>
-                <a:spLocks noGrp="1" noRot="1" noChangeAspect="1" noMove="1" noResize="1" noEditPoints="1" noAdjustHandles="1" noChangeArrowheads="1" noChangeShapeType="1" noTextEdit="1"/>
-              </p:cNvSpPr>
-              <p:nvPr>
-                <p:ph idx="1"/>
-              </p:nvPr>
-            </p:nvSpPr>
-            <p:spPr>
-              <a:xfrm>
-                <a:off x="525607" y="602818"/>
-                <a:ext cx="11029950" cy="1135928"/>
-              </a:xfrm>
-              <a:blipFill>
-                <a:blip r:embed="rId3"/>
-                <a:stretch>
-                  <a:fillRect l="-1105" b="-7527"/>
-                </a:stretch>
-              </a:blipFill>
-            </p:spPr>
-            <p:txBody>
-              <a:bodyPr/>
-              <a:lstStyle/>
-              <a:p>
-                <a:r>
-                  <a:rPr lang="en-US">
-                    <a:noFill/>
-                  </a:rPr>
-                  <a:t> </a:t>
-                </a:r>
-              </a:p>
-            </p:txBody>
-          </p:sp>
-        </mc:Fallback>
-      </mc:AlternateContent>
-      <p:sp>
-        <p:nvSpPr>
-          <p:cNvPr id="2" name="TextBox 1"/>
-          <p:cNvSpPr txBox="1"/>
-          <p:nvPr/>
-        </p:nvSpPr>
-        <p:spPr>
-          <a:xfrm>
-            <a:off x="7436464" y="1864533"/>
-            <a:ext cx="4360985" cy="369332"/>
-          </a:xfrm>
-          <a:prstGeom prst="rect">
-            <a:avLst/>
-          </a:prstGeom>
-          <a:noFill/>
-        </p:spPr>
-        <p:txBody>
-          <a:bodyPr wrap="square" rtlCol="0">
-            <a:spAutoFit/>
-          </a:bodyPr>
-          <a:lstStyle/>
-          <a:p>
-            <a:r>
-              <a:rPr lang="en-US" dirty="0" smtClean="0"/>
-              <a:t>non-constant variance of Error Terms</a:t>
-            </a:r>
-            <a:endParaRPr lang="en-US" dirty="0"/>
-          </a:p>
-        </p:txBody>
-      </p:sp>
-      <p:sp>
-        <p:nvSpPr>
-          <p:cNvPr id="5" name="TextBox 4"/>
-          <p:cNvSpPr txBox="1"/>
-          <p:nvPr/>
-        </p:nvSpPr>
-        <p:spPr>
-          <a:xfrm>
-            <a:off x="3034448" y="1864533"/>
-            <a:ext cx="3281358" cy="369332"/>
-          </a:xfrm>
-          <a:prstGeom prst="rect">
-            <a:avLst/>
-          </a:prstGeom>
-          <a:noFill/>
-        </p:spPr>
-        <p:txBody>
-          <a:bodyPr wrap="square" rtlCol="0">
-            <a:spAutoFit/>
-          </a:bodyPr>
-          <a:lstStyle/>
-          <a:p>
-            <a:r>
-              <a:rPr lang="en-US" dirty="0"/>
-              <a:t>c</a:t>
-            </a:r>
-            <a:r>
-              <a:rPr lang="en-US" dirty="0" smtClean="0"/>
-              <a:t>onstant variance of Error Terms</a:t>
-            </a:r>
-            <a:endParaRPr lang="en-US" dirty="0"/>
-          </a:p>
-        </p:txBody>
-      </p:sp>
-      <p:sp>
-        <p:nvSpPr>
-          <p:cNvPr id="6" name="Footer Placeholder 5"/>
-          <p:cNvSpPr>
-            <a:spLocks noGrp="1"/>
-          </p:cNvSpPr>
-          <p:nvPr>
-            <p:ph type="ftr" sz="quarter" idx="11"/>
-          </p:nvPr>
-        </p:nvSpPr>
-        <p:spPr/>
-        <p:txBody>
-          <a:bodyPr/>
-          <a:lstStyle/>
-          <a:p>
-            <a:r>
-              <a:rPr lang="en-US" smtClean="0"/>
-              <a:t>Image source: https://www.bookdown.org/rwnahhas/RMPH/mlr-constant-variance.html</a:t>
-            </a:r>
-            <a:endParaRPr lang="en-US" dirty="0"/>
-          </a:p>
-        </p:txBody>
-      </p:sp>
-    </p:spTree>
-    <p:extLst>
-      <p:ext uri="{BB962C8B-B14F-4D97-AF65-F5344CB8AC3E}">
-        <p14:creationId xmlns:p14="http://schemas.microsoft.com/office/powerpoint/2010/main" val="1460645141"/>
-      </p:ext>
-    </p:extLst>
-  </p:cSld>
-  <p:clrMapOvr>
-    <a:masterClrMapping/>
-  </p:clrMapOvr>
-  <p:timing>
-    <p:tnLst>
-      <p:par>
-        <p:cTn id="1" dur="indefinite" restart="never" nodeType="tmRoot"/>
-      </p:par>
-    </p:tnLst>
-  </p:timing>
-</p:sld>
-</file>
-
-<file path=ppt/slides/slide3.xml><?xml version="1.0" encoding="utf-8"?>
-<p:sld xmlns:a="http://schemas.openxmlformats.org/drawingml/2006/main" xmlns:r="http://schemas.openxmlformats.org/officeDocument/2006/relationships" xmlns:p="http://schemas.openxmlformats.org/presentationml/2006/main">
-  <p:cSld>
-    <p:spTree>
-      <p:nvGrpSpPr>
-        <p:cNvPr id="1" name=""/>
-        <p:cNvGrpSpPr/>
-        <p:nvPr/>
-      </p:nvGrpSpPr>
-      <p:grpSpPr>
-        <a:xfrm>
-          <a:off x="0" y="0"/>
-          <a:ext cx="0" cy="0"/>
-          <a:chOff x="0" y="0"/>
-          <a:chExt cx="0" cy="0"/>
-        </a:xfrm>
-      </p:grpSpPr>
-      <p:sp>
-        <p:nvSpPr>
-          <p:cNvPr id="2" name="Title 1">
-            <a:extLst>
-              <a:ext uri="{FF2B5EF4-FFF2-40B4-BE49-F238E27FC236}">
-                <a16:creationId xmlns:a16="http://schemas.microsoft.com/office/drawing/2014/main" id="{36CD3810-3DE1-B063-D560-BC3A9D9A022C}"/>
-              </a:ext>
-            </a:extLst>
-          </p:cNvPr>
-          <p:cNvSpPr>
-            <a:spLocks noGrp="1"/>
-          </p:cNvSpPr>
-          <p:nvPr>
-            <p:ph type="title"/>
-          </p:nvPr>
-        </p:nvSpPr>
-        <p:spPr>
-          <a:xfrm>
-            <a:off x="581191" y="607364"/>
-            <a:ext cx="11029616" cy="550572"/>
-          </a:xfrm>
-        </p:spPr>
-        <p:txBody>
-          <a:bodyPr/>
-          <a:lstStyle/>
-          <a:p>
-            <a:r>
-              <a:rPr lang="en-US" dirty="0"/>
-              <a:t>CAUSALITY &amp; REGRESSION</a:t>
-            </a:r>
-          </a:p>
-        </p:txBody>
-      </p:sp>
-      <p:sp>
-        <p:nvSpPr>
-          <p:cNvPr id="3" name="Content Placeholder 2">
-            <a:extLst>
-              <a:ext uri="{FF2B5EF4-FFF2-40B4-BE49-F238E27FC236}">
-                <a16:creationId xmlns:a16="http://schemas.microsoft.com/office/drawing/2014/main" id="{AAFA8653-FD86-8AF8-2083-96AC63865D20}"/>
-              </a:ext>
-            </a:extLst>
-          </p:cNvPr>
-          <p:cNvSpPr>
-            <a:spLocks noGrp="1"/>
-          </p:cNvSpPr>
-          <p:nvPr>
-            <p:ph idx="1"/>
-          </p:nvPr>
-        </p:nvSpPr>
-        <p:spPr>
-          <a:xfrm>
-            <a:off x="581191" y="1157935"/>
-            <a:ext cx="11029615" cy="4299889"/>
-          </a:xfrm>
-        </p:spPr>
-        <p:txBody>
-          <a:bodyPr>
-            <a:noAutofit/>
-          </a:bodyPr>
-          <a:lstStyle/>
-          <a:p>
-            <a:r>
-              <a:rPr lang="en-US" sz="2000" dirty="0">
-                <a:solidFill>
-                  <a:srgbClr val="1F1F1F"/>
-                </a:solidFill>
-                <a:latin typeface="ElsevierGulliver"/>
-              </a:rPr>
-              <a:t>Causality: Relationship between cause and effect, where one event (the cause) directly influences another event (the effect). </a:t>
-            </a:r>
-          </a:p>
-          <a:p>
-            <a:pPr marL="0" indent="0">
-              <a:buNone/>
-            </a:pPr>
-            <a:endParaRPr lang="en-US" sz="2000" dirty="0">
-              <a:solidFill>
-                <a:srgbClr val="1F1F1F"/>
-              </a:solidFill>
-              <a:latin typeface="ElsevierGulliver"/>
-            </a:endParaRPr>
-          </a:p>
-          <a:p>
-            <a:pPr marL="0" indent="0">
-              <a:buNone/>
-            </a:pPr>
-            <a:r>
-              <a:rPr lang="en-US" sz="2000" dirty="0">
-                <a:solidFill>
-                  <a:srgbClr val="1F1F1F"/>
-                </a:solidFill>
-                <a:latin typeface="ElsevierGulliver"/>
-              </a:rPr>
-              <a:t>	E</a:t>
-            </a:r>
-            <a:r>
-              <a:rPr lang="en-US" altLang="zh-CN" sz="2000" dirty="0">
-                <a:solidFill>
-                  <a:srgbClr val="1F1F1F"/>
-                </a:solidFill>
-                <a:latin typeface="ElsevierGulliver"/>
-              </a:rPr>
-              <a:t>xample: the relationship between rainfall and flooding</a:t>
-            </a:r>
-            <a:endParaRPr lang="en-US" sz="2000" dirty="0">
-              <a:solidFill>
-                <a:srgbClr val="1F1F1F"/>
-              </a:solidFill>
-              <a:latin typeface="ElsevierGulliver"/>
-            </a:endParaRPr>
-          </a:p>
-          <a:p>
-            <a:pPr marL="0" indent="0">
-              <a:buNone/>
-            </a:pPr>
-            <a:endParaRPr lang="en-US" sz="2000" dirty="0">
-              <a:solidFill>
-                <a:srgbClr val="1F1F1F"/>
-              </a:solidFill>
-              <a:latin typeface="ElsevierGulliver"/>
-            </a:endParaRPr>
-          </a:p>
-          <a:p>
-            <a:pPr marL="0" indent="0">
-              <a:buNone/>
-            </a:pPr>
-            <a:endParaRPr lang="en-US" sz="2000" dirty="0">
-              <a:solidFill>
-                <a:srgbClr val="1F1F1F"/>
-              </a:solidFill>
-              <a:latin typeface="ElsevierGulliver"/>
-            </a:endParaRPr>
-          </a:p>
-          <a:p>
-            <a:r>
-              <a:rPr lang="en-US" sz="2000" dirty="0">
-                <a:solidFill>
-                  <a:srgbClr val="1F1F1F"/>
-                </a:solidFill>
-                <a:latin typeface="ElsevierGulliver"/>
-              </a:rPr>
-              <a:t>Co-variation: </a:t>
-            </a:r>
-            <a:r>
-              <a:rPr lang="en-US" sz="2000" dirty="0"/>
-              <a:t>Two variables change together. If two variables tend to increase or decrease in a related manner, they are said to </a:t>
-            </a:r>
-            <a:r>
-              <a:rPr lang="en-US" sz="2000" b="1" dirty="0"/>
-              <a:t>covary (not causality)</a:t>
-            </a:r>
-            <a:endParaRPr lang="en-US" sz="2000" dirty="0">
-              <a:solidFill>
-                <a:srgbClr val="1F1F1F"/>
-              </a:solidFill>
-              <a:latin typeface="ElsevierGulliver"/>
-            </a:endParaRPr>
-          </a:p>
-        </p:txBody>
-      </p:sp>
-    </p:spTree>
-    <p:extLst>
-      <p:ext uri="{BB962C8B-B14F-4D97-AF65-F5344CB8AC3E}">
-        <p14:creationId xmlns:p14="http://schemas.microsoft.com/office/powerpoint/2010/main" val="128340750"/>
-      </p:ext>
-    </p:extLst>
-  </p:cSld>
-  <p:clrMapOvr>
-    <a:masterClrMapping/>
-  </p:clrMapOvr>
-</p:sld>
-</file>
-
-<file path=ppt/slides/slide30.xml><?xml version="1.0" encoding="utf-8"?>
-<p:sld xmlns:a="http://schemas.openxmlformats.org/drawingml/2006/main" xmlns:r="http://schemas.openxmlformats.org/officeDocument/2006/relationships" xmlns:p="http://schemas.openxmlformats.org/presentationml/2006/main">
-  <p:cSld>
-    <p:spTree>
-      <p:nvGrpSpPr>
-        <p:cNvPr id="1" name="">
-          <a:extLst>
-            <a:ext uri="{FF2B5EF4-FFF2-40B4-BE49-F238E27FC236}">
-              <a16:creationId xmlns:a16="http://schemas.microsoft.com/office/drawing/2014/main" id="{A7E38090-F4B3-ED6B-9CC0-2EF2B3916FFA}"/>
-            </a:ext>
-          </a:extLst>
-        </p:cNvPr>
-        <p:cNvGrpSpPr/>
-        <p:nvPr/>
-      </p:nvGrpSpPr>
-      <p:grpSpPr>
-        <a:xfrm>
-          <a:off x="0" y="0"/>
-          <a:ext cx="0" cy="0"/>
-          <a:chOff x="0" y="0"/>
-          <a:chExt cx="0" cy="0"/>
-        </a:xfrm>
-      </p:grpSpPr>
-      <p:sp>
-        <p:nvSpPr>
-          <p:cNvPr id="4" name="Content Placeholder 2">
-            <a:extLst>
-              <a:ext uri="{FF2B5EF4-FFF2-40B4-BE49-F238E27FC236}">
-                <a16:creationId xmlns:a16="http://schemas.microsoft.com/office/drawing/2014/main" id="{DCA6C427-DB09-AB68-1E16-9B026CAC5392}"/>
-              </a:ext>
-            </a:extLst>
-          </p:cNvPr>
-          <p:cNvSpPr txBox="1">
-            <a:spLocks/>
-          </p:cNvSpPr>
-          <p:nvPr/>
-        </p:nvSpPr>
-        <p:spPr>
-          <a:xfrm>
-            <a:off x="525607" y="602818"/>
-            <a:ext cx="11029950" cy="1135928"/>
-          </a:xfrm>
-          <a:prstGeom prst="rect">
-            <a:avLst/>
-          </a:prstGeom>
-        </p:spPr>
-        <p:txBody>
-          <a:bodyPr vert="horz" lIns="91440" tIns="45720" rIns="91440" bIns="45720" rtlCol="0" anchor="ctr">
-            <a:noAutofit/>
-          </a:bodyPr>
-          <a:lstStyle>
-            <a:lvl1pPr marL="306000" indent="-306000" algn="l" defTabSz="457200" rtl="0" eaLnBrk="1" latinLnBrk="0" hangingPunct="1">
-              <a:lnSpc>
-                <a:spcPct val="100000"/>
-              </a:lnSpc>
-              <a:spcBef>
-                <a:spcPct val="20000"/>
-              </a:spcBef>
-              <a:spcAft>
-                <a:spcPts val="600"/>
-              </a:spcAft>
-              <a:buClr>
-                <a:schemeClr val="accent1"/>
-              </a:buClr>
-              <a:buSzPct val="92000"/>
-              <a:buFont typeface="Wingdings 2" panose="05020102010507070707" pitchFamily="18" charset="2"/>
-              <a:buChar char=""/>
-              <a:defRPr sz="1800" kern="1200">
-                <a:solidFill>
-                  <a:schemeClr val="tx1">
-                    <a:lumMod val="75000"/>
-                    <a:lumOff val="25000"/>
-                  </a:schemeClr>
-                </a:solidFill>
-                <a:latin typeface="+mn-lt"/>
-                <a:ea typeface="+mn-ea"/>
-                <a:cs typeface="+mn-cs"/>
-              </a:defRPr>
-            </a:lvl1pPr>
-            <a:lvl2pPr marL="630000" indent="-306000" algn="l" defTabSz="457200" rtl="0" eaLnBrk="1" latinLnBrk="0" hangingPunct="1">
-              <a:lnSpc>
-                <a:spcPct val="100000"/>
-              </a:lnSpc>
-              <a:spcBef>
-                <a:spcPct val="20000"/>
-              </a:spcBef>
-              <a:spcAft>
-                <a:spcPts val="600"/>
-              </a:spcAft>
-              <a:buClr>
-                <a:schemeClr val="accent1"/>
-              </a:buClr>
-              <a:buSzPct val="92000"/>
-              <a:buFont typeface="Wingdings 2" panose="05020102010507070707" pitchFamily="18" charset="2"/>
-              <a:buChar char=""/>
-              <a:defRPr sz="1600" kern="1200">
-                <a:solidFill>
-                  <a:schemeClr val="tx1">
-                    <a:lumMod val="75000"/>
-                    <a:lumOff val="25000"/>
-                  </a:schemeClr>
-                </a:solidFill>
-                <a:latin typeface="+mn-lt"/>
-                <a:ea typeface="+mn-ea"/>
-                <a:cs typeface="+mn-cs"/>
-              </a:defRPr>
-            </a:lvl2pPr>
-            <a:lvl3pPr marL="900000" indent="-270000" algn="l" defTabSz="457200" rtl="0" eaLnBrk="1" latinLnBrk="0" hangingPunct="1">
-              <a:lnSpc>
-                <a:spcPct val="100000"/>
-              </a:lnSpc>
-              <a:spcBef>
-                <a:spcPct val="20000"/>
-              </a:spcBef>
-              <a:spcAft>
-                <a:spcPts val="600"/>
-              </a:spcAft>
-              <a:buClr>
-                <a:schemeClr val="accent1"/>
-              </a:buClr>
-              <a:buSzPct val="92000"/>
-              <a:buFont typeface="Wingdings 2" panose="05020102010507070707" pitchFamily="18" charset="2"/>
-              <a:buChar char=""/>
-              <a:defRPr sz="1400" kern="1200">
-                <a:solidFill>
-                  <a:schemeClr val="tx1">
-                    <a:lumMod val="75000"/>
-                    <a:lumOff val="25000"/>
-                  </a:schemeClr>
-                </a:solidFill>
-                <a:latin typeface="+mn-lt"/>
-                <a:ea typeface="+mn-ea"/>
-                <a:cs typeface="+mn-cs"/>
-              </a:defRPr>
-            </a:lvl3pPr>
-            <a:lvl4pPr marL="1242000" indent="-234000" algn="l" defTabSz="457200" rtl="0" eaLnBrk="1" latinLnBrk="0" hangingPunct="1">
-              <a:lnSpc>
-                <a:spcPct val="100000"/>
-              </a:lnSpc>
-              <a:spcBef>
-                <a:spcPct val="20000"/>
-              </a:spcBef>
-              <a:spcAft>
-                <a:spcPts val="600"/>
-              </a:spcAft>
-              <a:buClr>
-                <a:schemeClr val="accent1"/>
-              </a:buClr>
-              <a:buSzPct val="92000"/>
-              <a:buFont typeface="Wingdings 2" panose="05020102010507070707" pitchFamily="18" charset="2"/>
-              <a:buChar char=""/>
-              <a:defRPr sz="1200" kern="1200">
-                <a:solidFill>
-                  <a:schemeClr val="tx1">
-                    <a:lumMod val="75000"/>
-                    <a:lumOff val="25000"/>
-                  </a:schemeClr>
-                </a:solidFill>
-                <a:latin typeface="+mn-lt"/>
-                <a:ea typeface="+mn-ea"/>
-                <a:cs typeface="+mn-cs"/>
-              </a:defRPr>
-            </a:lvl4pPr>
-            <a:lvl5pPr marL="1602000" indent="-234000" algn="l" defTabSz="457200" rtl="0" eaLnBrk="1" latinLnBrk="0" hangingPunct="1">
-              <a:lnSpc>
-                <a:spcPct val="100000"/>
-              </a:lnSpc>
-              <a:spcBef>
-                <a:spcPct val="20000"/>
-              </a:spcBef>
-              <a:spcAft>
-                <a:spcPts val="600"/>
-              </a:spcAft>
-              <a:buClr>
-                <a:schemeClr val="accent1"/>
-              </a:buClr>
-              <a:buSzPct val="92000"/>
-              <a:buFont typeface="Wingdings 2" panose="05020102010507070707" pitchFamily="18" charset="2"/>
-              <a:buChar char=""/>
-              <a:defRPr sz="1200" kern="1200">
-                <a:solidFill>
-                  <a:schemeClr val="tx1">
-                    <a:lumMod val="75000"/>
-                    <a:lumOff val="25000"/>
-                  </a:schemeClr>
-                </a:solidFill>
-                <a:latin typeface="+mn-lt"/>
-                <a:ea typeface="+mn-ea"/>
-                <a:cs typeface="+mn-cs"/>
-              </a:defRPr>
-            </a:lvl5pPr>
-            <a:lvl6pPr marL="1900000" indent="-228600" algn="l" defTabSz="457200" rtl="0" eaLnBrk="1" latinLnBrk="0" hangingPunct="1">
-              <a:spcBef>
-                <a:spcPct val="20000"/>
-              </a:spcBef>
-              <a:spcAft>
-                <a:spcPts val="600"/>
-              </a:spcAft>
-              <a:buClr>
-                <a:schemeClr val="accent2"/>
-              </a:buClr>
-              <a:buSzPct val="92000"/>
-              <a:buFont typeface="Wingdings 2" panose="05020102010507070707" pitchFamily="18" charset="2"/>
-              <a:buChar char=""/>
-              <a:defRPr sz="1200" kern="1200">
-                <a:solidFill>
-                  <a:schemeClr val="tx2"/>
-                </a:solidFill>
-                <a:latin typeface="+mn-lt"/>
-                <a:ea typeface="+mn-ea"/>
-                <a:cs typeface="+mn-cs"/>
-              </a:defRPr>
-            </a:lvl6pPr>
-            <a:lvl7pPr marL="2200000" indent="-228600" algn="l" defTabSz="457200" rtl="0" eaLnBrk="1" latinLnBrk="0" hangingPunct="1">
-              <a:spcBef>
-                <a:spcPct val="20000"/>
-              </a:spcBef>
-              <a:spcAft>
-                <a:spcPts val="600"/>
-              </a:spcAft>
-              <a:buClr>
-                <a:schemeClr val="accent2"/>
-              </a:buClr>
-              <a:buSzPct val="92000"/>
-              <a:buFont typeface="Wingdings 2" panose="05020102010507070707" pitchFamily="18" charset="2"/>
-              <a:buChar char=""/>
-              <a:defRPr sz="1200" kern="1200">
-                <a:solidFill>
-                  <a:schemeClr val="tx2"/>
-                </a:solidFill>
-                <a:latin typeface="+mn-lt"/>
-                <a:ea typeface="+mn-ea"/>
-                <a:cs typeface="+mn-cs"/>
-              </a:defRPr>
-            </a:lvl7pPr>
-            <a:lvl8pPr marL="2500000" indent="-228600" algn="l" defTabSz="457200" rtl="0" eaLnBrk="1" latinLnBrk="0" hangingPunct="1">
-              <a:spcBef>
-                <a:spcPct val="20000"/>
-              </a:spcBef>
-              <a:spcAft>
-                <a:spcPts val="600"/>
-              </a:spcAft>
-              <a:buClr>
-                <a:schemeClr val="accent2"/>
-              </a:buClr>
-              <a:buSzPct val="92000"/>
-              <a:buFont typeface="Wingdings 2" panose="05020102010507070707" pitchFamily="18" charset="2"/>
-              <a:buChar char=""/>
-              <a:defRPr sz="1200" kern="1200">
-                <a:solidFill>
-                  <a:schemeClr val="tx2"/>
-                </a:solidFill>
-                <a:latin typeface="+mn-lt"/>
-                <a:ea typeface="+mn-ea"/>
-                <a:cs typeface="+mn-cs"/>
-              </a:defRPr>
-            </a:lvl8pPr>
-            <a:lvl9pPr marL="2800000" indent="-228600" algn="l" defTabSz="457200" rtl="0" eaLnBrk="1" latinLnBrk="0" hangingPunct="1">
-              <a:spcBef>
-                <a:spcPct val="20000"/>
-              </a:spcBef>
-              <a:spcAft>
-                <a:spcPts val="600"/>
-              </a:spcAft>
-              <a:buClr>
-                <a:schemeClr val="accent2"/>
-              </a:buClr>
-              <a:buSzPct val="92000"/>
-              <a:buFont typeface="Wingdings 2" panose="05020102010507070707" pitchFamily="18" charset="2"/>
-              <a:buChar char=""/>
-              <a:defRPr sz="1200" kern="1200">
-                <a:solidFill>
-                  <a:schemeClr val="tx2"/>
-                </a:solidFill>
-                <a:latin typeface="+mn-lt"/>
-                <a:ea typeface="+mn-ea"/>
-                <a:cs typeface="+mn-cs"/>
-              </a:defRPr>
-            </a:lvl9pPr>
-          </a:lstStyle>
-          <a:p>
-            <a:pPr marL="0" marR="0" lvl="0" indent="0" algn="l" defTabSz="457200" rtl="0" eaLnBrk="1" fontAlgn="auto" latinLnBrk="0" hangingPunct="1">
-              <a:lnSpc>
-                <a:spcPct val="100000"/>
-              </a:lnSpc>
-              <a:spcBef>
-                <a:spcPct val="20000"/>
-              </a:spcBef>
-              <a:spcAft>
-                <a:spcPts val="600"/>
-              </a:spcAft>
-              <a:buClr>
-                <a:srgbClr val="C18C78"/>
-              </a:buClr>
-              <a:buSzPct val="92000"/>
-              <a:buFont typeface="Wingdings 2" panose="05020102010507070707" pitchFamily="18" charset="2"/>
-              <a:buNone/>
-              <a:tabLst/>
-              <a:defRPr/>
-            </a:pPr>
-            <a:r>
-              <a:rPr kumimoji="0" lang="en-US" sz="2800" b="0" i="0" u="none" strike="noStrike" kern="1200" cap="none" spc="0" normalizeH="0" baseline="0" noProof="0" dirty="0">
-                <a:ln>
-                  <a:noFill/>
-                </a:ln>
-                <a:solidFill>
-                  <a:srgbClr val="000000">
-                    <a:lumMod val="75000"/>
-                    <a:lumOff val="25000"/>
-                  </a:srgbClr>
-                </a:solidFill>
-                <a:effectLst/>
-                <a:uLnTx/>
-                <a:uFillTx/>
-                <a:latin typeface="Calibri"/>
-                <a:ea typeface="+mn-ea"/>
-                <a:cs typeface="+mn-cs"/>
-              </a:rPr>
-              <a:t>3. Error are assumed to be </a:t>
-            </a:r>
-            <a:r>
-              <a:rPr kumimoji="0" lang="en-US" sz="2800" b="1" i="0" u="none" strike="noStrike" kern="1200" cap="none" spc="0" normalizeH="0" baseline="0" noProof="0" dirty="0">
-                <a:ln>
-                  <a:noFill/>
-                </a:ln>
-                <a:solidFill>
-                  <a:srgbClr val="000000">
-                    <a:lumMod val="75000"/>
-                    <a:lumOff val="25000"/>
-                  </a:srgbClr>
-                </a:solidFill>
-                <a:effectLst/>
-                <a:uLnTx/>
-                <a:uFillTx/>
-                <a:latin typeface="Calibri"/>
-                <a:ea typeface="+mn-ea"/>
-                <a:cs typeface="+mn-cs"/>
-              </a:rPr>
-              <a:t>independent</a:t>
-            </a:r>
-            <a:r>
-              <a:rPr kumimoji="0" lang="en-US" sz="2800" b="0" i="0" u="none" strike="noStrike" kern="1200" cap="none" spc="0" normalizeH="0" baseline="0" noProof="0" dirty="0">
-                <a:ln>
-                  <a:noFill/>
-                </a:ln>
-                <a:solidFill>
-                  <a:srgbClr val="000000">
-                    <a:lumMod val="75000"/>
-                    <a:lumOff val="25000"/>
-                  </a:srgbClr>
-                </a:solidFill>
-                <a:effectLst/>
-                <a:uLnTx/>
-                <a:uFillTx/>
-                <a:latin typeface="Calibri"/>
-                <a:ea typeface="+mn-ea"/>
-                <a:cs typeface="+mn-cs"/>
-              </a:rPr>
-              <a:t> (uncorrelated) among each other</a:t>
-            </a:r>
-          </a:p>
-        </p:txBody>
-      </p:sp>
-      <p:pic>
-        <p:nvPicPr>
-          <p:cNvPr id="6" name="Picture 5">
-            <a:extLst>
-              <a:ext uri="{FF2B5EF4-FFF2-40B4-BE49-F238E27FC236}">
-                <a16:creationId xmlns:a16="http://schemas.microsoft.com/office/drawing/2014/main" id="{402FDE37-FF5F-938C-D385-14142335F279}"/>
-              </a:ext>
-            </a:extLst>
-          </p:cNvPr>
-          <p:cNvPicPr>
-            <a:picLocks noChangeAspect="1"/>
-          </p:cNvPicPr>
-          <p:nvPr/>
-        </p:nvPicPr>
-        <p:blipFill>
-          <a:blip r:embed="rId2"/>
-          <a:stretch>
-            <a:fillRect/>
-          </a:stretch>
-        </p:blipFill>
-        <p:spPr>
-          <a:xfrm>
-            <a:off x="4201262" y="2357825"/>
-            <a:ext cx="3856408" cy="4569480"/>
-          </a:xfrm>
-          <a:prstGeom prst="rect">
-            <a:avLst/>
-          </a:prstGeom>
-        </p:spPr>
-      </p:pic>
-      <p:sp>
-        <p:nvSpPr>
-          <p:cNvPr id="2" name="TextBox 1"/>
-          <p:cNvSpPr txBox="1"/>
-          <p:nvPr/>
-        </p:nvSpPr>
-        <p:spPr>
-          <a:xfrm>
-            <a:off x="4554682" y="2173159"/>
-            <a:ext cx="2971800" cy="369332"/>
-          </a:xfrm>
-          <a:prstGeom prst="rect">
-            <a:avLst/>
-          </a:prstGeom>
-          <a:noFill/>
-        </p:spPr>
-        <p:txBody>
-          <a:bodyPr wrap="square" rtlCol="0">
-            <a:spAutoFit/>
-          </a:bodyPr>
-          <a:lstStyle/>
-          <a:p>
-            <a:r>
-              <a:rPr lang="en-US" dirty="0" smtClean="0"/>
-              <a:t>Example of correlated Error</a:t>
-            </a:r>
-            <a:endParaRPr lang="en-US" dirty="0"/>
-          </a:p>
-        </p:txBody>
-      </p:sp>
-    </p:spTree>
-    <p:extLst>
-      <p:ext uri="{BB962C8B-B14F-4D97-AF65-F5344CB8AC3E}">
-        <p14:creationId xmlns:p14="http://schemas.microsoft.com/office/powerpoint/2010/main" val="2443475763"/>
-      </p:ext>
-    </p:extLst>
-  </p:cSld>
-  <p:clrMapOvr>
-    <a:masterClrMapping/>
-  </p:clrMapOvr>
-  <p:timing>
-    <p:tnLst>
-      <p:par>
-        <p:cTn id="1" dur="indefinite" restart="never" nodeType="tmRoot"/>
-      </p:par>
-    </p:tnLst>
-  </p:timing>
-</p:sld>
-</file>
-
-<file path=ppt/slides/slide31.xml><?xml version="1.0" encoding="utf-8"?>
-<p:sld xmlns:a="http://schemas.openxmlformats.org/drawingml/2006/main" xmlns:r="http://schemas.openxmlformats.org/officeDocument/2006/relationships" xmlns:p="http://schemas.openxmlformats.org/presentationml/2006/main">
-  <p:cSld>
-    <p:spTree>
-      <p:nvGrpSpPr>
-        <p:cNvPr id="1" name="">
-          <a:extLst>
-            <a:ext uri="{FF2B5EF4-FFF2-40B4-BE49-F238E27FC236}">
-              <a16:creationId xmlns:a16="http://schemas.microsoft.com/office/drawing/2014/main" id="{8B4C9F26-CB4C-0DC4-65EA-468DA4AEB824}"/>
-            </a:ext>
-          </a:extLst>
-        </p:cNvPr>
-        <p:cNvGrpSpPr/>
-        <p:nvPr/>
-      </p:nvGrpSpPr>
-      <p:grpSpPr>
-        <a:xfrm>
-          <a:off x="0" y="0"/>
-          <a:ext cx="0" cy="0"/>
-          <a:chOff x="0" y="0"/>
-          <a:chExt cx="0" cy="0"/>
-        </a:xfrm>
-      </p:grpSpPr>
-      <p:sp>
-        <p:nvSpPr>
-          <p:cNvPr id="4" name="Content Placeholder 2">
-            <a:extLst>
-              <a:ext uri="{FF2B5EF4-FFF2-40B4-BE49-F238E27FC236}">
-                <a16:creationId xmlns:a16="http://schemas.microsoft.com/office/drawing/2014/main" id="{D0A36180-841C-A70E-5057-216C17E6F8E6}"/>
-              </a:ext>
-            </a:extLst>
-          </p:cNvPr>
-          <p:cNvSpPr txBox="1">
-            <a:spLocks noGrp="1"/>
-          </p:cNvSpPr>
-          <p:nvPr>
-            <p:ph idx="1"/>
-          </p:nvPr>
-        </p:nvSpPr>
-        <p:spPr>
-          <a:xfrm>
-            <a:off x="497897" y="602819"/>
-            <a:ext cx="11029950" cy="727218"/>
-          </a:xfrm>
-          <a:prstGeom prst="rect">
-            <a:avLst/>
-          </a:prstGeom>
-        </p:spPr>
-        <p:txBody>
-          <a:bodyPr vert="horz" lIns="91440" tIns="45720" rIns="91440" bIns="45720" rtlCol="0" anchor="ctr">
-            <a:noAutofit/>
-          </a:bodyPr>
-          <a:lstStyle>
-            <a:lvl1pPr marL="306000" indent="-306000" algn="l" defTabSz="457200" rtl="0" eaLnBrk="1" latinLnBrk="0" hangingPunct="1">
-              <a:lnSpc>
-                <a:spcPct val="100000"/>
-              </a:lnSpc>
-              <a:spcBef>
-                <a:spcPct val="20000"/>
-              </a:spcBef>
-              <a:spcAft>
-                <a:spcPts val="600"/>
-              </a:spcAft>
-              <a:buClr>
-                <a:schemeClr val="accent1"/>
-              </a:buClr>
-              <a:buSzPct val="92000"/>
-              <a:buFont typeface="Wingdings 2" panose="05020102010507070707" pitchFamily="18" charset="2"/>
-              <a:buChar char=""/>
-              <a:defRPr sz="1800" kern="1200">
-                <a:solidFill>
-                  <a:schemeClr val="tx1">
-                    <a:lumMod val="75000"/>
-                    <a:lumOff val="25000"/>
-                  </a:schemeClr>
-                </a:solidFill>
-                <a:latin typeface="+mn-lt"/>
-                <a:ea typeface="+mn-ea"/>
-                <a:cs typeface="+mn-cs"/>
-              </a:defRPr>
-            </a:lvl1pPr>
-            <a:lvl2pPr marL="630000" indent="-306000" algn="l" defTabSz="457200" rtl="0" eaLnBrk="1" latinLnBrk="0" hangingPunct="1">
-              <a:lnSpc>
-                <a:spcPct val="100000"/>
-              </a:lnSpc>
-              <a:spcBef>
-                <a:spcPct val="20000"/>
-              </a:spcBef>
-              <a:spcAft>
-                <a:spcPts val="600"/>
-              </a:spcAft>
-              <a:buClr>
-                <a:schemeClr val="accent1"/>
-              </a:buClr>
-              <a:buSzPct val="92000"/>
-              <a:buFont typeface="Wingdings 2" panose="05020102010507070707" pitchFamily="18" charset="2"/>
-              <a:buChar char=""/>
-              <a:defRPr sz="1600" kern="1200">
-                <a:solidFill>
-                  <a:schemeClr val="tx1">
-                    <a:lumMod val="75000"/>
-                    <a:lumOff val="25000"/>
-                  </a:schemeClr>
-                </a:solidFill>
-                <a:latin typeface="+mn-lt"/>
-                <a:ea typeface="+mn-ea"/>
-                <a:cs typeface="+mn-cs"/>
-              </a:defRPr>
-            </a:lvl2pPr>
-            <a:lvl3pPr marL="900000" indent="-270000" algn="l" defTabSz="457200" rtl="0" eaLnBrk="1" latinLnBrk="0" hangingPunct="1">
-              <a:lnSpc>
-                <a:spcPct val="100000"/>
-              </a:lnSpc>
-              <a:spcBef>
-                <a:spcPct val="20000"/>
-              </a:spcBef>
-              <a:spcAft>
-                <a:spcPts val="600"/>
-              </a:spcAft>
-              <a:buClr>
-                <a:schemeClr val="accent1"/>
-              </a:buClr>
-              <a:buSzPct val="92000"/>
-              <a:buFont typeface="Wingdings 2" panose="05020102010507070707" pitchFamily="18" charset="2"/>
-              <a:buChar char=""/>
-              <a:defRPr sz="1400" kern="1200">
-                <a:solidFill>
-                  <a:schemeClr val="tx1">
-                    <a:lumMod val="75000"/>
-                    <a:lumOff val="25000"/>
-                  </a:schemeClr>
-                </a:solidFill>
-                <a:latin typeface="+mn-lt"/>
-                <a:ea typeface="+mn-ea"/>
-                <a:cs typeface="+mn-cs"/>
-              </a:defRPr>
-            </a:lvl3pPr>
-            <a:lvl4pPr marL="1242000" indent="-234000" algn="l" defTabSz="457200" rtl="0" eaLnBrk="1" latinLnBrk="0" hangingPunct="1">
-              <a:lnSpc>
-                <a:spcPct val="100000"/>
-              </a:lnSpc>
-              <a:spcBef>
-                <a:spcPct val="20000"/>
-              </a:spcBef>
-              <a:spcAft>
-                <a:spcPts val="600"/>
-              </a:spcAft>
-              <a:buClr>
-                <a:schemeClr val="accent1"/>
-              </a:buClr>
-              <a:buSzPct val="92000"/>
-              <a:buFont typeface="Wingdings 2" panose="05020102010507070707" pitchFamily="18" charset="2"/>
-              <a:buChar char=""/>
-              <a:defRPr sz="1200" kern="1200">
-                <a:solidFill>
-                  <a:schemeClr val="tx1">
-                    <a:lumMod val="75000"/>
-                    <a:lumOff val="25000"/>
-                  </a:schemeClr>
-                </a:solidFill>
-                <a:latin typeface="+mn-lt"/>
-                <a:ea typeface="+mn-ea"/>
-                <a:cs typeface="+mn-cs"/>
-              </a:defRPr>
-            </a:lvl4pPr>
-            <a:lvl5pPr marL="1602000" indent="-234000" algn="l" defTabSz="457200" rtl="0" eaLnBrk="1" latinLnBrk="0" hangingPunct="1">
-              <a:lnSpc>
-                <a:spcPct val="100000"/>
-              </a:lnSpc>
-              <a:spcBef>
-                <a:spcPct val="20000"/>
-              </a:spcBef>
-              <a:spcAft>
-                <a:spcPts val="600"/>
-              </a:spcAft>
-              <a:buClr>
-                <a:schemeClr val="accent1"/>
-              </a:buClr>
-              <a:buSzPct val="92000"/>
-              <a:buFont typeface="Wingdings 2" panose="05020102010507070707" pitchFamily="18" charset="2"/>
-              <a:buChar char=""/>
-              <a:defRPr sz="1200" kern="1200">
-                <a:solidFill>
-                  <a:schemeClr val="tx1">
-                    <a:lumMod val="75000"/>
-                    <a:lumOff val="25000"/>
-                  </a:schemeClr>
-                </a:solidFill>
-                <a:latin typeface="+mn-lt"/>
-                <a:ea typeface="+mn-ea"/>
-                <a:cs typeface="+mn-cs"/>
-              </a:defRPr>
-            </a:lvl5pPr>
-            <a:lvl6pPr marL="1900000" indent="-228600" algn="l" defTabSz="457200" rtl="0" eaLnBrk="1" latinLnBrk="0" hangingPunct="1">
-              <a:spcBef>
-                <a:spcPct val="20000"/>
-              </a:spcBef>
-              <a:spcAft>
-                <a:spcPts val="600"/>
-              </a:spcAft>
-              <a:buClr>
-                <a:schemeClr val="accent2"/>
-              </a:buClr>
-              <a:buSzPct val="92000"/>
-              <a:buFont typeface="Wingdings 2" panose="05020102010507070707" pitchFamily="18" charset="2"/>
-              <a:buChar char=""/>
-              <a:defRPr sz="1200" kern="1200">
-                <a:solidFill>
-                  <a:schemeClr val="tx2"/>
-                </a:solidFill>
-                <a:latin typeface="+mn-lt"/>
-                <a:ea typeface="+mn-ea"/>
-                <a:cs typeface="+mn-cs"/>
-              </a:defRPr>
-            </a:lvl6pPr>
-            <a:lvl7pPr marL="2200000" indent="-228600" algn="l" defTabSz="457200" rtl="0" eaLnBrk="1" latinLnBrk="0" hangingPunct="1">
-              <a:spcBef>
-                <a:spcPct val="20000"/>
-              </a:spcBef>
-              <a:spcAft>
-                <a:spcPts val="600"/>
-              </a:spcAft>
-              <a:buClr>
-                <a:schemeClr val="accent2"/>
-              </a:buClr>
-              <a:buSzPct val="92000"/>
-              <a:buFont typeface="Wingdings 2" panose="05020102010507070707" pitchFamily="18" charset="2"/>
-              <a:buChar char=""/>
-              <a:defRPr sz="1200" kern="1200">
-                <a:solidFill>
-                  <a:schemeClr val="tx2"/>
-                </a:solidFill>
-                <a:latin typeface="+mn-lt"/>
-                <a:ea typeface="+mn-ea"/>
-                <a:cs typeface="+mn-cs"/>
-              </a:defRPr>
-            </a:lvl7pPr>
-            <a:lvl8pPr marL="2500000" indent="-228600" algn="l" defTabSz="457200" rtl="0" eaLnBrk="1" latinLnBrk="0" hangingPunct="1">
-              <a:spcBef>
-                <a:spcPct val="20000"/>
-              </a:spcBef>
-              <a:spcAft>
-                <a:spcPts val="600"/>
-              </a:spcAft>
-              <a:buClr>
-                <a:schemeClr val="accent2"/>
-              </a:buClr>
-              <a:buSzPct val="92000"/>
-              <a:buFont typeface="Wingdings 2" panose="05020102010507070707" pitchFamily="18" charset="2"/>
-              <a:buChar char=""/>
-              <a:defRPr sz="1200" kern="1200">
-                <a:solidFill>
-                  <a:schemeClr val="tx2"/>
-                </a:solidFill>
-                <a:latin typeface="+mn-lt"/>
-                <a:ea typeface="+mn-ea"/>
-                <a:cs typeface="+mn-cs"/>
-              </a:defRPr>
-            </a:lvl8pPr>
-            <a:lvl9pPr marL="2800000" indent="-228600" algn="l" defTabSz="457200" rtl="0" eaLnBrk="1" latinLnBrk="0" hangingPunct="1">
-              <a:spcBef>
-                <a:spcPct val="20000"/>
-              </a:spcBef>
-              <a:spcAft>
-                <a:spcPts val="600"/>
-              </a:spcAft>
-              <a:buClr>
-                <a:schemeClr val="accent2"/>
-              </a:buClr>
-              <a:buSzPct val="92000"/>
-              <a:buFont typeface="Wingdings 2" panose="05020102010507070707" pitchFamily="18" charset="2"/>
-              <a:buChar char=""/>
-              <a:defRPr sz="1200" kern="1200">
-                <a:solidFill>
-                  <a:schemeClr val="tx2"/>
-                </a:solidFill>
-                <a:latin typeface="+mn-lt"/>
-                <a:ea typeface="+mn-ea"/>
-                <a:cs typeface="+mn-cs"/>
-              </a:defRPr>
-            </a:lvl9pPr>
-          </a:lstStyle>
-          <a:p>
-            <a:pPr marL="0" indent="0">
-              <a:buFont typeface="Wingdings 2" panose="05020102010507070707" pitchFamily="18" charset="2"/>
-              <a:buNone/>
-            </a:pPr>
-            <a:r>
-              <a:rPr lang="en-US" sz="2800" dirty="0"/>
-              <a:t>4. </a:t>
-            </a:r>
-            <a:r>
-              <a:rPr lang="en-US" sz="2800" dirty="0" err="1"/>
-              <a:t>i.i.d</a:t>
-            </a:r>
-            <a:r>
-              <a:rPr lang="en-US" sz="2800" dirty="0"/>
-              <a:t> Normality of Error</a:t>
-            </a:r>
-          </a:p>
-        </p:txBody>
-      </p:sp>
-      <mc:AlternateContent xmlns:mc="http://schemas.openxmlformats.org/markup-compatibility/2006" xmlns:a14="http://schemas.microsoft.com/office/drawing/2010/main">
-        <mc:Choice Requires="a14">
-          <p:sp>
-            <p:nvSpPr>
-              <p:cNvPr id="7" name="TextBox 6">
-                <a:extLst>
-                  <a:ext uri="{FF2B5EF4-FFF2-40B4-BE49-F238E27FC236}">
-                    <a16:creationId xmlns:a16="http://schemas.microsoft.com/office/drawing/2014/main" id="{D1DBBCF7-54A0-BFE5-DD80-BB3DF49ECA63}"/>
-                  </a:ext>
-                </a:extLst>
-              </p:cNvPr>
-              <p:cNvSpPr txBox="1"/>
-              <p:nvPr/>
-            </p:nvSpPr>
-            <p:spPr>
-              <a:xfrm>
-                <a:off x="872836" y="1517073"/>
-                <a:ext cx="10093037" cy="2862322"/>
-              </a:xfrm>
-              <a:prstGeom prst="rect">
-                <a:avLst/>
-              </a:prstGeom>
-              <a:noFill/>
-            </p:spPr>
-            <p:txBody>
-              <a:bodyPr wrap="square" rtlCol="0">
-                <a:spAutoFit/>
-              </a:bodyPr>
-              <a:lstStyle/>
-              <a:p>
-                <a:pPr marL="0" marR="0" lvl="0" indent="0" algn="l" defTabSz="457200" rtl="0" eaLnBrk="1" fontAlgn="auto" latinLnBrk="0" hangingPunct="1">
-                  <a:lnSpc>
-                    <a:spcPct val="100000"/>
-                  </a:lnSpc>
-                  <a:spcBef>
-                    <a:spcPts val="0"/>
-                  </a:spcBef>
-                  <a:spcAft>
-                    <a:spcPts val="0"/>
-                  </a:spcAft>
-                  <a:buClrTx/>
-                  <a:buSzTx/>
-                  <a:buFontTx/>
-                  <a:buNone/>
-                  <a:tabLst/>
-                  <a:defRPr/>
-                </a:pPr>
-                <a:r>
-                  <a:rPr kumimoji="0" lang="en-US" sz="2000" b="0" i="0" u="none" strike="noStrike" kern="1200" cap="none" spc="0" normalizeH="0" baseline="0" noProof="0" dirty="0">
-                    <a:ln>
-                      <a:noFill/>
-                    </a:ln>
-                    <a:solidFill>
-                      <a:srgbClr val="000000"/>
-                    </a:solidFill>
-                    <a:effectLst/>
-                    <a:uLnTx/>
-                    <a:uFillTx/>
-                    <a:latin typeface="Calibri"/>
-                    <a:ea typeface="+mn-ea"/>
-                    <a:cs typeface="+mn-cs"/>
-                  </a:rPr>
-                  <a:t>This assumption states that the </a:t>
-                </a:r>
-                <a:r>
-                  <a:rPr kumimoji="0" lang="en-US" sz="2000" b="1" i="0" u="none" strike="noStrike" kern="1200" cap="none" spc="0" normalizeH="0" baseline="0" noProof="0" dirty="0">
-                    <a:ln>
-                      <a:noFill/>
-                    </a:ln>
-                    <a:solidFill>
-                      <a:srgbClr val="000000"/>
-                    </a:solidFill>
-                    <a:effectLst/>
-                    <a:uLnTx/>
-                    <a:uFillTx/>
-                    <a:latin typeface="Calibri"/>
-                    <a:ea typeface="+mn-ea"/>
-                    <a:cs typeface="+mn-cs"/>
-                  </a:rPr>
-                  <a:t>disturbances (errors) in a regression model are</a:t>
-                </a:r>
-                <a:r>
-                  <a:rPr kumimoji="0" lang="en-US" sz="2000" b="0" i="0" u="none" strike="noStrike" kern="1200" cap="none" spc="0" normalizeH="0" baseline="0" noProof="0" dirty="0">
-                    <a:ln>
-                      <a:noFill/>
-                    </a:ln>
-                    <a:solidFill>
-                      <a:srgbClr val="000000"/>
-                    </a:solidFill>
-                    <a:effectLst/>
-                    <a:uLnTx/>
-                    <a:uFillTx/>
-                    <a:latin typeface="Calibri"/>
-                    <a:ea typeface="+mn-ea"/>
-                    <a:cs typeface="+mn-cs"/>
-                  </a:rPr>
-                  <a:t>:</a:t>
-                </a:r>
-              </a:p>
-              <a:p>
-                <a:pPr marL="0" marR="0" lvl="0" indent="0" algn="l" defTabSz="457200" rtl="0" eaLnBrk="1" fontAlgn="auto" latinLnBrk="0" hangingPunct="1">
-                  <a:lnSpc>
-                    <a:spcPct val="100000"/>
-                  </a:lnSpc>
-                  <a:spcBef>
-                    <a:spcPts val="0"/>
-                  </a:spcBef>
-                  <a:spcAft>
-                    <a:spcPts val="0"/>
-                  </a:spcAft>
-                  <a:buClrTx/>
-                  <a:buSzTx/>
-                  <a:buFontTx/>
-                  <a:buNone/>
-                  <a:tabLst/>
-                  <a:defRPr/>
-                </a:pPr>
-                <a:endParaRPr kumimoji="0" lang="en-US" sz="2000" b="1" i="0" u="none" strike="noStrike" kern="1200" cap="none" spc="0" normalizeH="0" baseline="0" noProof="0" dirty="0">
-                  <a:ln>
-                    <a:noFill/>
-                  </a:ln>
-                  <a:solidFill>
-                    <a:srgbClr val="000000"/>
-                  </a:solidFill>
-                  <a:effectLst/>
-                  <a:uLnTx/>
-                  <a:uFillTx/>
-                  <a:latin typeface="Calibri"/>
-                  <a:ea typeface="+mn-ea"/>
-                  <a:cs typeface="+mn-cs"/>
-                </a:endParaRPr>
-              </a:p>
-              <a:p>
-                <a:pPr marL="342900" marR="0" lvl="0" indent="-342900" algn="l" defTabSz="457200" rtl="0" eaLnBrk="1" fontAlgn="auto" latinLnBrk="0" hangingPunct="1">
-                  <a:lnSpc>
-                    <a:spcPct val="100000"/>
-                  </a:lnSpc>
-                  <a:spcBef>
-                    <a:spcPts val="0"/>
-                  </a:spcBef>
-                  <a:spcAft>
-                    <a:spcPts val="0"/>
-                  </a:spcAft>
-                  <a:buClrTx/>
-                  <a:buSzTx/>
-                  <a:buFont typeface="+mj-lt"/>
-                  <a:buAutoNum type="arabicParenR"/>
-                  <a:tabLst/>
-                  <a:defRPr/>
-                </a:pPr>
-                <a:r>
-                  <a:rPr kumimoji="0" lang="en-US" sz="2000" b="0" i="0" u="none" strike="noStrike" kern="1200" cap="none" spc="0" normalizeH="0" baseline="0" noProof="0" dirty="0">
-                    <a:ln>
-                      <a:noFill/>
-                    </a:ln>
-                    <a:solidFill>
-                      <a:srgbClr val="000000"/>
-                    </a:solidFill>
-                    <a:effectLst/>
-                    <a:uLnTx/>
-                    <a:uFillTx/>
-                    <a:latin typeface="Calibri"/>
-                    <a:ea typeface="+mn-ea"/>
-                    <a:cs typeface="+mn-cs"/>
-                  </a:rPr>
-                  <a:t>Independently and identically distributed (</a:t>
-                </a:r>
-                <a:r>
-                  <a:rPr kumimoji="0" lang="en-US" sz="2000" b="0" i="0" u="none" strike="noStrike" kern="1200" cap="none" spc="0" normalizeH="0" baseline="0" noProof="0" dirty="0" err="1">
-                    <a:ln>
-                      <a:noFill/>
-                    </a:ln>
-                    <a:solidFill>
-                      <a:srgbClr val="000000"/>
-                    </a:solidFill>
-                    <a:effectLst/>
-                    <a:uLnTx/>
-                    <a:uFillTx/>
-                    <a:latin typeface="Calibri"/>
-                    <a:ea typeface="+mn-ea"/>
-                    <a:cs typeface="+mn-cs"/>
-                  </a:rPr>
-                  <a:t>i.i.d</a:t>
-                </a:r>
-                <a:r>
-                  <a:rPr kumimoji="0" lang="en-US" sz="2000" b="0" i="0" u="none" strike="noStrike" kern="1200" cap="none" spc="0" normalizeH="0" baseline="0" noProof="0" dirty="0">
-                    <a:ln>
-                      <a:noFill/>
-                    </a:ln>
-                    <a:solidFill>
-                      <a:srgbClr val="000000"/>
-                    </a:solidFill>
-                    <a:effectLst/>
-                    <a:uLnTx/>
-                    <a:uFillTx/>
-                    <a:latin typeface="Calibri"/>
-                    <a:ea typeface="+mn-ea"/>
-                    <a:cs typeface="+mn-cs"/>
-                  </a:rPr>
-                  <a:t>)</a:t>
-                </a:r>
-              </a:p>
-              <a:p>
-                <a:pPr marL="342900" marR="0" lvl="0" indent="-342900" algn="l" defTabSz="457200" rtl="0" eaLnBrk="1" fontAlgn="auto" latinLnBrk="0" hangingPunct="1">
-                  <a:lnSpc>
-                    <a:spcPct val="100000"/>
-                  </a:lnSpc>
-                  <a:spcBef>
-                    <a:spcPts val="0"/>
-                  </a:spcBef>
-                  <a:spcAft>
-                    <a:spcPts val="0"/>
-                  </a:spcAft>
-                  <a:buClrTx/>
-                  <a:buSzTx/>
-                  <a:buFont typeface="+mj-lt"/>
-                  <a:buAutoNum type="arabicParenR"/>
-                  <a:tabLst/>
-                  <a:defRPr/>
-                </a:pPr>
-                <a:endParaRPr kumimoji="0" lang="en-US" sz="2000" b="0" i="0" u="none" strike="noStrike" kern="1200" cap="none" spc="0" normalizeH="0" baseline="0" noProof="0" dirty="0">
-                  <a:ln>
-                    <a:noFill/>
-                  </a:ln>
-                  <a:solidFill>
-                    <a:srgbClr val="000000"/>
-                  </a:solidFill>
-                  <a:effectLst/>
-                  <a:uLnTx/>
-                  <a:uFillTx/>
-                  <a:latin typeface="Calibri"/>
-                  <a:ea typeface="+mn-ea"/>
-                  <a:cs typeface="+mn-cs"/>
-                </a:endParaRPr>
-              </a:p>
-              <a:p>
-                <a:pPr marL="342900" marR="0" lvl="0" indent="-342900" algn="l" defTabSz="457200" rtl="0" eaLnBrk="1" fontAlgn="auto" latinLnBrk="0" hangingPunct="1">
-                  <a:lnSpc>
-                    <a:spcPct val="100000"/>
-                  </a:lnSpc>
-                  <a:spcBef>
-                    <a:spcPts val="0"/>
-                  </a:spcBef>
-                  <a:spcAft>
-                    <a:spcPts val="0"/>
-                  </a:spcAft>
-                  <a:buClrTx/>
-                  <a:buSzTx/>
-                  <a:buFont typeface="+mj-lt"/>
-                  <a:buAutoNum type="arabicParenR"/>
-                  <a:tabLst/>
-                  <a:defRPr/>
-                </a:pPr>
-                <a:r>
-                  <a:rPr kumimoji="0" lang="en-US" sz="2000" b="0" i="0" u="none" strike="noStrike" kern="1200" cap="none" spc="0" normalizeH="0" baseline="0" noProof="0" dirty="0">
-                    <a:ln>
-                      <a:noFill/>
-                    </a:ln>
-                    <a:solidFill>
-                      <a:srgbClr val="000000"/>
-                    </a:solidFill>
-                    <a:effectLst/>
-                    <a:uLnTx/>
-                    <a:uFillTx/>
-                    <a:latin typeface="Calibri"/>
-                    <a:ea typeface="+mn-ea"/>
-                    <a:cs typeface="+mn-cs"/>
-                  </a:rPr>
-                  <a:t>Normally distributed (i.e.,</a:t>
-                </a:r>
-                <a14:m>
-                  <m:oMath xmlns:m="http://schemas.openxmlformats.org/officeDocument/2006/math">
-                    <m:sSub>
-                      <m:sSubPr>
-                        <m:ctrlPr>
-                          <a:rPr kumimoji="0" lang="en-US" sz="2000" b="0" i="1" u="none" strike="noStrike" kern="1200" cap="none" spc="0" normalizeH="0" baseline="0" noProof="0" smtClean="0">
-                            <a:ln>
-                              <a:noFill/>
-                            </a:ln>
-                            <a:solidFill>
-                              <a:srgbClr val="000000"/>
-                            </a:solidFill>
-                            <a:effectLst/>
-                            <a:uLnTx/>
-                            <a:uFillTx/>
-                            <a:latin typeface="Cambria Math" panose="02040503050406030204" pitchFamily="18" charset="0"/>
-                            <a:ea typeface="Cambria Math" panose="02040503050406030204" pitchFamily="18" charset="0"/>
-                            <a:cs typeface="+mn-cs"/>
-                          </a:rPr>
-                        </m:ctrlPr>
-                      </m:sSubPr>
-                      <m:e>
-                        <m:r>
-                          <a:rPr kumimoji="0" lang="en-US" sz="2000" b="0" i="1" u="none" strike="noStrike" kern="1200" cap="none" spc="0" normalizeH="0" baseline="0" noProof="0" smtClean="0">
-                            <a:ln>
-                              <a:noFill/>
-                            </a:ln>
-                            <a:solidFill>
-                              <a:srgbClr val="000000"/>
-                            </a:solidFill>
-                            <a:effectLst/>
-                            <a:uLnTx/>
-                            <a:uFillTx/>
-                            <a:latin typeface="Cambria Math" panose="02040503050406030204" pitchFamily="18" charset="0"/>
-                            <a:ea typeface="Cambria Math" panose="02040503050406030204" pitchFamily="18" charset="0"/>
-                            <a:cs typeface="+mn-cs"/>
-                          </a:rPr>
-                          <m:t>𝜀</m:t>
-                        </m:r>
-                      </m:e>
-                      <m:sub>
-                        <m:r>
-                          <a:rPr kumimoji="0" lang="en-US" sz="2000" b="0" i="1" u="none" strike="noStrike" kern="1200" cap="none" spc="0" normalizeH="0" baseline="0" noProof="0" smtClean="0">
-                            <a:ln>
-                              <a:noFill/>
-                            </a:ln>
-                            <a:solidFill>
-                              <a:srgbClr val="000000"/>
-                            </a:solidFill>
-                            <a:effectLst/>
-                            <a:uLnTx/>
-                            <a:uFillTx/>
-                            <a:latin typeface="Cambria Math" panose="02040503050406030204" pitchFamily="18" charset="0"/>
-                            <a:ea typeface="Cambria Math" panose="02040503050406030204" pitchFamily="18" charset="0"/>
-                            <a:cs typeface="+mn-cs"/>
-                          </a:rPr>
-                          <m:t>𝑖</m:t>
-                        </m:r>
-                      </m:sub>
-                    </m:sSub>
-                    <m:r>
-                      <a:rPr kumimoji="0" lang="en-US" sz="2000" b="0" i="1" u="none" strike="noStrike" kern="1200" cap="none" spc="0" normalizeH="0" baseline="0" noProof="0" smtClean="0">
-                        <a:ln>
-                          <a:noFill/>
-                        </a:ln>
-                        <a:solidFill>
-                          <a:srgbClr val="000000"/>
-                        </a:solidFill>
-                        <a:effectLst/>
-                        <a:uLnTx/>
-                        <a:uFillTx/>
-                        <a:latin typeface="Cambria Math" panose="02040503050406030204" pitchFamily="18" charset="0"/>
-                        <a:ea typeface="Cambria Math" panose="02040503050406030204" pitchFamily="18" charset="0"/>
-                        <a:cs typeface="+mn-cs"/>
-                      </a:rPr>
-                      <m:t>~</m:t>
-                    </m:r>
-                    <m:r>
-                      <a:rPr kumimoji="0" lang="en-US" sz="2000" b="0" i="1" u="none" strike="noStrike" kern="1200" cap="none" spc="0" normalizeH="0" baseline="0" noProof="0" smtClean="0">
-                        <a:ln>
-                          <a:noFill/>
-                        </a:ln>
-                        <a:solidFill>
-                          <a:srgbClr val="000000"/>
-                        </a:solidFill>
-                        <a:effectLst/>
-                        <a:uLnTx/>
-                        <a:uFillTx/>
-                        <a:latin typeface="Cambria Math" panose="02040503050406030204" pitchFamily="18" charset="0"/>
-                        <a:ea typeface="Cambria Math" panose="02040503050406030204" pitchFamily="18" charset="0"/>
-                        <a:cs typeface="+mn-cs"/>
-                      </a:rPr>
-                      <m:t>𝑁</m:t>
-                    </m:r>
-                    <m:r>
-                      <a:rPr kumimoji="0" lang="en-US" sz="2000" b="0" i="1" u="none" strike="noStrike" kern="1200" cap="none" spc="0" normalizeH="0" baseline="0" noProof="0" smtClean="0">
-                        <a:ln>
-                          <a:noFill/>
-                        </a:ln>
-                        <a:solidFill>
-                          <a:srgbClr val="000000"/>
-                        </a:solidFill>
-                        <a:effectLst/>
-                        <a:uLnTx/>
-                        <a:uFillTx/>
-                        <a:latin typeface="Cambria Math" panose="02040503050406030204" pitchFamily="18" charset="0"/>
-                        <a:ea typeface="Cambria Math" panose="02040503050406030204" pitchFamily="18" charset="0"/>
-                        <a:cs typeface="+mn-cs"/>
-                      </a:rPr>
-                      <m:t>(0,</m:t>
-                    </m:r>
-                    <m:sSup>
-                      <m:sSupPr>
-                        <m:ctrlPr>
-                          <a:rPr kumimoji="0" lang="en-US" sz="2000" b="0" i="1" u="none" strike="noStrike" kern="1200" cap="none" spc="0" normalizeH="0" baseline="0" noProof="0" smtClean="0">
-                            <a:ln>
-                              <a:noFill/>
-                            </a:ln>
-                            <a:solidFill>
-                              <a:srgbClr val="000000"/>
-                            </a:solidFill>
-                            <a:effectLst/>
-                            <a:uLnTx/>
-                            <a:uFillTx/>
-                            <a:latin typeface="Cambria Math" panose="02040503050406030204" pitchFamily="18" charset="0"/>
-                            <a:ea typeface="Cambria Math" panose="02040503050406030204" pitchFamily="18" charset="0"/>
-                            <a:cs typeface="+mn-cs"/>
-                          </a:rPr>
-                        </m:ctrlPr>
-                      </m:sSupPr>
-                      <m:e>
-                        <m:r>
-                          <m:rPr>
-                            <m:sty m:val="p"/>
-                          </m:rPr>
-                          <a:rPr kumimoji="0" lang="el-GR" sz="2000" b="0" i="1" u="none" strike="noStrike" kern="1200" cap="none" spc="0" normalizeH="0" baseline="0" noProof="0" smtClean="0">
-                            <a:ln>
-                              <a:noFill/>
-                            </a:ln>
-                            <a:solidFill>
-                              <a:srgbClr val="000000"/>
-                            </a:solidFill>
-                            <a:effectLst/>
-                            <a:uLnTx/>
-                            <a:uFillTx/>
-                            <a:latin typeface="Cambria Math" panose="02040503050406030204" pitchFamily="18" charset="0"/>
-                            <a:ea typeface="Cambria Math" panose="02040503050406030204" pitchFamily="18" charset="0"/>
-                            <a:cs typeface="+mn-cs"/>
-                          </a:rPr>
-                          <m:t>σ</m:t>
-                        </m:r>
-                      </m:e>
-                      <m:sup>
-                        <m:r>
-                          <a:rPr kumimoji="0" lang="en-US" sz="2000" b="0" i="1" u="none" strike="noStrike" kern="1200" cap="none" spc="0" normalizeH="0" baseline="0" noProof="0" smtClean="0">
-                            <a:ln>
-                              <a:noFill/>
-                            </a:ln>
-                            <a:solidFill>
-                              <a:srgbClr val="000000"/>
-                            </a:solidFill>
-                            <a:effectLst/>
-                            <a:uLnTx/>
-                            <a:uFillTx/>
-                            <a:latin typeface="Cambria Math" panose="02040503050406030204" pitchFamily="18" charset="0"/>
-                            <a:ea typeface="Cambria Math" panose="02040503050406030204" pitchFamily="18" charset="0"/>
-                            <a:cs typeface="+mn-cs"/>
-                          </a:rPr>
-                          <m:t>2</m:t>
-                        </m:r>
-                      </m:sup>
-                    </m:sSup>
-                    <m:r>
-                      <a:rPr kumimoji="0" lang="en-US" sz="2000" b="0" i="1" u="none" strike="noStrike" kern="1200" cap="none" spc="0" normalizeH="0" baseline="0" noProof="0" smtClean="0">
-                        <a:ln>
-                          <a:noFill/>
-                        </a:ln>
-                        <a:solidFill>
-                          <a:srgbClr val="000000"/>
-                        </a:solidFill>
-                        <a:effectLst/>
-                        <a:uLnTx/>
-                        <a:uFillTx/>
-                        <a:latin typeface="Cambria Math" panose="02040503050406030204" pitchFamily="18" charset="0"/>
-                        <a:ea typeface="Cambria Math" panose="02040503050406030204" pitchFamily="18" charset="0"/>
-                        <a:cs typeface="+mn-cs"/>
-                      </a:rPr>
-                      <m:t>)</m:t>
-                    </m:r>
-                  </m:oMath>
-                </a14:m>
-                <a:r>
-                  <a:rPr kumimoji="0" lang="en-US" sz="2000" b="0" i="0" u="none" strike="noStrike" kern="1200" cap="none" spc="0" normalizeH="0" baseline="0" noProof="0" dirty="0">
-                    <a:ln>
-                      <a:noFill/>
-                    </a:ln>
-                    <a:solidFill>
-                      <a:srgbClr val="000000"/>
-                    </a:solidFill>
-                    <a:effectLst/>
-                    <a:uLnTx/>
-                    <a:uFillTx/>
-                    <a:latin typeface="Calibri"/>
-                    <a:ea typeface="+mn-ea"/>
-                    <a:cs typeface="+mn-cs"/>
-                  </a:rPr>
-                  <a:t> </a:t>
-                </a:r>
-              </a:p>
-              <a:p>
-                <a:pPr marL="0" marR="0" lvl="0" indent="0" algn="l" defTabSz="457200" rtl="0" eaLnBrk="1" fontAlgn="auto" latinLnBrk="0" hangingPunct="1">
-                  <a:lnSpc>
-                    <a:spcPct val="100000"/>
-                  </a:lnSpc>
-                  <a:spcBef>
-                    <a:spcPts val="0"/>
-                  </a:spcBef>
-                  <a:spcAft>
-                    <a:spcPts val="0"/>
-                  </a:spcAft>
-                  <a:buClrTx/>
-                  <a:buSzTx/>
-                  <a:buFontTx/>
-                  <a:buNone/>
-                  <a:tabLst/>
-                  <a:defRPr/>
-                </a:pPr>
-                <a:endParaRPr kumimoji="0" lang="en-US" sz="2000" b="0" i="0" u="none" strike="noStrike" kern="1200" cap="none" spc="0" normalizeH="0" baseline="0" noProof="0" dirty="0">
-                  <a:ln>
-                    <a:noFill/>
-                  </a:ln>
-                  <a:solidFill>
-                    <a:srgbClr val="000000"/>
-                  </a:solidFill>
-                  <a:effectLst/>
-                  <a:uLnTx/>
-                  <a:uFillTx/>
-                  <a:latin typeface="Calibri"/>
-                  <a:ea typeface="+mn-ea"/>
-                  <a:cs typeface="+mn-cs"/>
-                </a:endParaRPr>
-              </a:p>
-              <a:p>
-                <a:pPr marL="0" marR="0" lvl="0" indent="0" algn="l" defTabSz="457200" rtl="0" eaLnBrk="1" fontAlgn="auto" latinLnBrk="0" hangingPunct="1">
-                  <a:lnSpc>
-                    <a:spcPct val="100000"/>
-                  </a:lnSpc>
-                  <a:spcBef>
-                    <a:spcPts val="0"/>
-                  </a:spcBef>
-                  <a:spcAft>
-                    <a:spcPts val="0"/>
-                  </a:spcAft>
-                  <a:buClrTx/>
-                  <a:buSzTx/>
-                  <a:buFontTx/>
-                  <a:buNone/>
-                  <a:tabLst/>
-                  <a:defRPr/>
-                </a:pPr>
-                <a:endParaRPr kumimoji="0" lang="en-US" sz="2000" b="0" i="0" u="none" strike="noStrike" kern="1200" cap="none" spc="0" normalizeH="0" baseline="0" noProof="0" dirty="0">
-                  <a:ln>
-                    <a:noFill/>
-                  </a:ln>
-                  <a:solidFill>
-                    <a:srgbClr val="000000"/>
-                  </a:solidFill>
-                  <a:effectLst/>
-                  <a:uLnTx/>
-                  <a:uFillTx/>
-                  <a:latin typeface="Calibri"/>
-                  <a:ea typeface="+mn-ea"/>
-                  <a:cs typeface="+mn-cs"/>
-                </a:endParaRPr>
-              </a:p>
-              <a:p>
-                <a:pPr marL="0" marR="0" lvl="0" indent="0" algn="l" defTabSz="457200" rtl="0" eaLnBrk="1" fontAlgn="auto" latinLnBrk="0" hangingPunct="1">
-                  <a:lnSpc>
-                    <a:spcPct val="100000"/>
-                  </a:lnSpc>
-                  <a:spcBef>
-                    <a:spcPts val="0"/>
-                  </a:spcBef>
-                  <a:spcAft>
-                    <a:spcPts val="0"/>
-                  </a:spcAft>
-                  <a:buClrTx/>
-                  <a:buSzTx/>
-                  <a:buFontTx/>
-                  <a:buNone/>
-                  <a:tabLst/>
-                  <a:defRPr/>
-                </a:pPr>
-                <a:r>
-                  <a:rPr kumimoji="0" lang="en-US" sz="2000" b="0" i="0" u="none" strike="noStrike" kern="1200" cap="none" spc="0" normalizeH="0" baseline="0" noProof="0" dirty="0">
-                    <a:ln>
-                      <a:noFill/>
-                    </a:ln>
-                    <a:solidFill>
-                      <a:srgbClr val="000000"/>
-                    </a:solidFill>
-                    <a:effectLst/>
-                    <a:uLnTx/>
-                    <a:uFillTx/>
-                    <a:latin typeface="Calibri"/>
-                    <a:ea typeface="+mn-ea"/>
-                    <a:cs typeface="+mn-cs"/>
-                  </a:rPr>
-                  <a:t>This assumption is </a:t>
-                </a:r>
-                <a:r>
-                  <a:rPr kumimoji="0" lang="en-US" sz="2000" b="1" i="0" u="none" strike="noStrike" kern="1200" cap="none" spc="0" normalizeH="0" baseline="0" noProof="0" dirty="0">
-                    <a:ln>
-                      <a:noFill/>
-                    </a:ln>
-                    <a:solidFill>
-                      <a:srgbClr val="000000"/>
-                    </a:solidFill>
-                    <a:effectLst/>
-                    <a:uLnTx/>
-                    <a:uFillTx/>
-                    <a:latin typeface="Calibri"/>
-                    <a:ea typeface="+mn-ea"/>
-                    <a:cs typeface="+mn-cs"/>
-                  </a:rPr>
-                  <a:t>important</a:t>
-                </a:r>
-                <a:r>
-                  <a:rPr kumimoji="0" lang="en-US" sz="2000" b="0" i="0" u="none" strike="noStrike" kern="1200" cap="none" spc="0" normalizeH="0" baseline="0" noProof="0" dirty="0">
-                    <a:ln>
-                      <a:noFill/>
-                    </a:ln>
-                    <a:solidFill>
-                      <a:srgbClr val="000000"/>
-                    </a:solidFill>
-                    <a:effectLst/>
-                    <a:uLnTx/>
-                    <a:uFillTx/>
-                    <a:latin typeface="Calibri"/>
-                    <a:ea typeface="+mn-ea"/>
-                    <a:cs typeface="+mn-cs"/>
-                  </a:rPr>
-                  <a:t> because it allows for </a:t>
-                </a:r>
-                <a:r>
-                  <a:rPr kumimoji="0" lang="en-US" sz="2000" b="1" i="0" u="none" strike="noStrike" kern="1200" cap="none" spc="0" normalizeH="0" baseline="0" noProof="0" dirty="0">
-                    <a:ln>
-                      <a:noFill/>
-                    </a:ln>
-                    <a:solidFill>
-                      <a:srgbClr val="000000"/>
-                    </a:solidFill>
-                    <a:effectLst/>
-                    <a:uLnTx/>
-                    <a:uFillTx/>
-                    <a:latin typeface="Calibri"/>
-                    <a:ea typeface="+mn-ea"/>
-                    <a:cs typeface="+mn-cs"/>
-                  </a:rPr>
-                  <a:t>valid hypothesis testing and confidence intervals</a:t>
-                </a:r>
-                <a:r>
-                  <a:rPr kumimoji="0" lang="en-US" sz="2000" b="0" i="0" u="none" strike="noStrike" kern="1200" cap="none" spc="0" normalizeH="0" baseline="0" noProof="0" dirty="0">
-                    <a:ln>
-                      <a:noFill/>
-                    </a:ln>
-                    <a:solidFill>
-                      <a:srgbClr val="000000"/>
-                    </a:solidFill>
-                    <a:effectLst/>
-                    <a:uLnTx/>
-                    <a:uFillTx/>
-                    <a:latin typeface="Calibri"/>
-                    <a:ea typeface="+mn-ea"/>
-                    <a:cs typeface="+mn-cs"/>
-                  </a:rPr>
-                  <a:t>, even when the sample size is </a:t>
-                </a:r>
-                <a:r>
-                  <a:rPr kumimoji="0" lang="en-US" sz="2000" b="1" i="0" u="none" strike="noStrike" kern="1200" cap="none" spc="0" normalizeH="0" baseline="0" noProof="0" dirty="0">
-                    <a:ln>
-                      <a:noFill/>
-                    </a:ln>
-                    <a:solidFill>
-                      <a:srgbClr val="000000"/>
-                    </a:solidFill>
-                    <a:effectLst/>
-                    <a:uLnTx/>
-                    <a:uFillTx/>
-                    <a:latin typeface="Calibri"/>
-                    <a:ea typeface="+mn-ea"/>
-                    <a:cs typeface="+mn-cs"/>
-                  </a:rPr>
-                  <a:t>very small</a:t>
-                </a:r>
-                <a:r>
-                  <a:rPr kumimoji="0" lang="en-US" sz="2000" b="0" i="0" u="none" strike="noStrike" kern="1200" cap="none" spc="0" normalizeH="0" baseline="0" noProof="0" dirty="0">
-                    <a:ln>
-                      <a:noFill/>
-                    </a:ln>
-                    <a:solidFill>
-                      <a:srgbClr val="000000"/>
-                    </a:solidFill>
-                    <a:effectLst/>
-                    <a:uLnTx/>
-                    <a:uFillTx/>
-                    <a:latin typeface="Calibri"/>
-                    <a:ea typeface="+mn-ea"/>
-                    <a:cs typeface="+mn-cs"/>
-                  </a:rPr>
-                  <a:t>.</a:t>
-                </a:r>
-              </a:p>
-            </p:txBody>
-          </p:sp>
-        </mc:Choice>
-        <mc:Fallback xmlns="">
-          <p:sp>
-            <p:nvSpPr>
-              <p:cNvPr id="7" name="TextBox 6">
-                <a:extLst>
-                  <a:ext uri="{FF2B5EF4-FFF2-40B4-BE49-F238E27FC236}">
-                    <a16:creationId xmlns:a16="http://schemas.microsoft.com/office/drawing/2014/main" id="{CD6F2FAB-13EC-EDA9-6E87-D6F40C392955}"/>
-                  </a:ext>
-                </a:extLst>
-              </p:cNvPr>
-              <p:cNvSpPr txBox="1">
-                <a:spLocks noRot="1" noChangeAspect="1" noMove="1" noResize="1" noEditPoints="1" noAdjustHandles="1" noChangeArrowheads="1" noChangeShapeType="1" noTextEdit="1"/>
-              </p:cNvSpPr>
-              <p:nvPr/>
-            </p:nvSpPr>
-            <p:spPr>
-              <a:xfrm>
-                <a:off x="872836" y="1517073"/>
-                <a:ext cx="10093037" cy="2862322"/>
-              </a:xfrm>
-              <a:prstGeom prst="rect">
-                <a:avLst/>
-              </a:prstGeom>
-              <a:blipFill>
-                <a:blip r:embed="rId2"/>
-                <a:stretch>
-                  <a:fillRect l="-664" t="-1279" b="-2985"/>
-                </a:stretch>
-              </a:blipFill>
-            </p:spPr>
-            <p:txBody>
-              <a:bodyPr/>
-              <a:lstStyle/>
-              <a:p>
-                <a:r>
-                  <a:rPr lang="en-US">
-                    <a:noFill/>
-                  </a:rPr>
-                  <a:t> </a:t>
-                </a:r>
-              </a:p>
-            </p:txBody>
-          </p:sp>
-        </mc:Fallback>
-      </mc:AlternateContent>
-    </p:spTree>
-    <p:extLst>
-      <p:ext uri="{BB962C8B-B14F-4D97-AF65-F5344CB8AC3E}">
-        <p14:creationId xmlns:p14="http://schemas.microsoft.com/office/powerpoint/2010/main" val="1441289358"/>
-      </p:ext>
-    </p:extLst>
-  </p:cSld>
-  <p:clrMapOvr>
-    <a:masterClrMapping/>
-  </p:clrMapOvr>
-  <p:timing>
-    <p:tnLst>
-      <p:par>
-        <p:cTn id="1" dur="indefinite" restart="never" nodeType="tmRoot"/>
-      </p:par>
-    </p:tnLst>
-  </p:timing>
-</p:sld>
-</file>
-
-<file path=ppt/slides/slide32.xml><?xml version="1.0" encoding="utf-8"?>
-<p:sld xmlns:a="http://schemas.openxmlformats.org/drawingml/2006/main" xmlns:r="http://schemas.openxmlformats.org/officeDocument/2006/relationships" xmlns:p="http://schemas.openxmlformats.org/presentationml/2006/main">
-  <p:cSld>
-    <p:spTree>
-      <p:nvGrpSpPr>
-        <p:cNvPr id="1" name=""/>
-        <p:cNvGrpSpPr/>
-        <p:nvPr/>
-      </p:nvGrpSpPr>
-      <p:grpSpPr>
-        <a:xfrm>
-          <a:off x="0" y="0"/>
-          <a:ext cx="0" cy="0"/>
-          <a:chOff x="0" y="0"/>
-          <a:chExt cx="0" cy="0"/>
-        </a:xfrm>
-      </p:grpSpPr>
-      <p:sp>
-        <p:nvSpPr>
-          <p:cNvPr id="2" name="Title 1"/>
-          <p:cNvSpPr>
-            <a:spLocks noGrp="1"/>
-          </p:cNvSpPr>
-          <p:nvPr>
-            <p:ph type="title"/>
-          </p:nvPr>
-        </p:nvSpPr>
-        <p:spPr>
-          <a:xfrm>
-            <a:off x="581192" y="702156"/>
-            <a:ext cx="11029616" cy="546352"/>
-          </a:xfrm>
-        </p:spPr>
-        <p:txBody>
-          <a:bodyPr/>
-          <a:lstStyle/>
-          <a:p>
-            <a:r>
-              <a:rPr lang="en-US" dirty="0" smtClean="0"/>
-              <a:t>4. Outlier</a:t>
-            </a:r>
-            <a:endParaRPr lang="en-US" dirty="0"/>
-          </a:p>
-        </p:txBody>
-      </p:sp>
-      <p:pic>
-        <p:nvPicPr>
-          <p:cNvPr id="4" name="Content Placeholder 3"/>
-          <p:cNvPicPr>
-            <a:picLocks noGrp="1" noChangeAspect="1"/>
-          </p:cNvPicPr>
-          <p:nvPr>
-            <p:ph idx="1"/>
-          </p:nvPr>
-        </p:nvPicPr>
-        <p:blipFill>
-          <a:blip r:embed="rId2"/>
-          <a:stretch>
-            <a:fillRect/>
-          </a:stretch>
-        </p:blipFill>
-        <p:spPr>
-          <a:xfrm>
-            <a:off x="1905366" y="1248508"/>
-            <a:ext cx="7520811" cy="3542140"/>
-          </a:xfrm>
-          <a:prstGeom prst="rect">
-            <a:avLst/>
-          </a:prstGeom>
-        </p:spPr>
-      </p:pic>
-      <mc:AlternateContent xmlns:mc="http://schemas.openxmlformats.org/markup-compatibility/2006">
-        <mc:Choice xmlns:a14="http://schemas.microsoft.com/office/drawing/2010/main" Requires="a14">
-          <p:sp>
-            <p:nvSpPr>
-              <p:cNvPr id="5" name="TextBox 4"/>
-              <p:cNvSpPr txBox="1"/>
-              <p:nvPr/>
-            </p:nvSpPr>
-            <p:spPr>
-              <a:xfrm>
-                <a:off x="3200399" y="4790648"/>
-                <a:ext cx="6312877" cy="646331"/>
-              </a:xfrm>
-              <a:prstGeom prst="rect">
-                <a:avLst/>
-              </a:prstGeom>
-              <a:noFill/>
-            </p:spPr>
-            <p:txBody>
-              <a:bodyPr wrap="square" rtlCol="0">
-                <a:spAutoFit/>
-              </a:bodyPr>
-              <a:lstStyle/>
-              <a:p>
-                <a:r>
-                  <a:rPr lang="en-US" dirty="0" smtClean="0"/>
-                  <a:t>If we drop outlier, 20, the RSE decrease from 1.09 to 0.77.</a:t>
-                </a:r>
-              </a:p>
-              <a:p>
-                <a14:m>
-                  <m:oMath xmlns:m="http://schemas.openxmlformats.org/officeDocument/2006/math">
-                    <m:sSup>
-                      <m:sSupPr>
-                        <m:ctrlPr>
-                          <a:rPr lang="en-US" b="0" i="1" smtClean="0">
-                            <a:latin typeface="Cambria Math" panose="02040503050406030204" pitchFamily="18" charset="0"/>
-                          </a:rPr>
-                        </m:ctrlPr>
-                      </m:sSupPr>
-                      <m:e>
-                        <m:r>
-                          <a:rPr lang="en-US" b="0" i="1" smtClean="0">
-                            <a:latin typeface="Cambria Math" panose="02040503050406030204" pitchFamily="18" charset="0"/>
-                          </a:rPr>
-                          <m:t>𝑅</m:t>
-                        </m:r>
-                      </m:e>
-                      <m:sup>
-                        <m:r>
-                          <a:rPr lang="en-US" b="0" i="1" smtClean="0">
-                            <a:latin typeface="Cambria Math" panose="02040503050406030204" pitchFamily="18" charset="0"/>
-                          </a:rPr>
-                          <m:t>2</m:t>
-                        </m:r>
-                      </m:sup>
-                    </m:sSup>
-                  </m:oMath>
-                </a14:m>
-                <a:r>
-                  <a:rPr lang="en-US" dirty="0" smtClean="0"/>
-                  <a:t> increase from 0.805 to 0.892. </a:t>
-                </a:r>
-                <a:endParaRPr lang="en-US" dirty="0"/>
-              </a:p>
-            </p:txBody>
-          </p:sp>
-        </mc:Choice>
-        <mc:Fallback>
-          <p:sp>
-            <p:nvSpPr>
-              <p:cNvPr id="5" name="TextBox 4"/>
-              <p:cNvSpPr txBox="1">
-                <a:spLocks noRot="1" noChangeAspect="1" noMove="1" noResize="1" noEditPoints="1" noAdjustHandles="1" noChangeArrowheads="1" noChangeShapeType="1" noTextEdit="1"/>
-              </p:cNvSpPr>
-              <p:nvPr/>
-            </p:nvSpPr>
-            <p:spPr>
-              <a:xfrm>
-                <a:off x="3200399" y="4790648"/>
-                <a:ext cx="6312877" cy="646331"/>
-              </a:xfrm>
-              <a:prstGeom prst="rect">
-                <a:avLst/>
-              </a:prstGeom>
-              <a:blipFill>
-                <a:blip r:embed="rId3"/>
-                <a:stretch>
-                  <a:fillRect l="-772" t="-5660" b="-14151"/>
-                </a:stretch>
-              </a:blipFill>
-            </p:spPr>
-            <p:txBody>
-              <a:bodyPr/>
-              <a:lstStyle/>
-              <a:p>
-                <a:r>
-                  <a:rPr lang="en-US">
-                    <a:noFill/>
-                  </a:rPr>
-                  <a:t> </a:t>
-                </a:r>
-              </a:p>
-            </p:txBody>
-          </p:sp>
-        </mc:Fallback>
-      </mc:AlternateContent>
-      <mc:AlternateContent xmlns:mc="http://schemas.openxmlformats.org/markup-compatibility/2006">
-        <mc:Choice xmlns:a14="http://schemas.microsoft.com/office/drawing/2010/main" Requires="a14">
-          <p:sp>
-            <p:nvSpPr>
-              <p:cNvPr id="6" name="TextBox 5"/>
-              <p:cNvSpPr txBox="1"/>
-              <p:nvPr/>
-            </p:nvSpPr>
-            <p:spPr>
-              <a:xfrm>
-                <a:off x="1150327" y="5657671"/>
-                <a:ext cx="9891346" cy="1200329"/>
-              </a:xfrm>
-              <a:prstGeom prst="rect">
-                <a:avLst/>
-              </a:prstGeom>
-              <a:noFill/>
-            </p:spPr>
-            <p:txBody>
-              <a:bodyPr wrap="square" rtlCol="0">
-                <a:spAutoFit/>
-              </a:bodyPr>
-              <a:lstStyle/>
-              <a:p>
-                <a:r>
-                  <a:rPr lang="en-US" dirty="0" smtClean="0"/>
-                  <a:t>If we believe the outlier is due to an error in data collection, we can simply remove the observation.</a:t>
-                </a:r>
-              </a:p>
-              <a:p>
-                <a:endParaRPr lang="en-US" dirty="0"/>
-              </a:p>
-              <a:p>
-                <a:r>
-                  <a:rPr lang="en-US" dirty="0" smtClean="0"/>
-                  <a:t>However, care should be taken ,since an outlier may indicate a deficiency in the model, such as missing </a:t>
-                </a:r>
-                <a14:m>
-                  <m:oMath xmlns:m="http://schemas.openxmlformats.org/officeDocument/2006/math">
-                    <m:r>
-                      <a:rPr lang="en-US" b="0" i="1" smtClean="0">
-                        <a:latin typeface="Cambria Math" panose="02040503050406030204" pitchFamily="18" charset="0"/>
-                      </a:rPr>
-                      <m:t>𝑥</m:t>
-                    </m:r>
-                  </m:oMath>
-                </a14:m>
-                <a:r>
-                  <a:rPr lang="en-US" dirty="0" smtClean="0"/>
-                  <a:t> variables </a:t>
-                </a:r>
-                <a:endParaRPr lang="en-US" dirty="0"/>
-              </a:p>
-            </p:txBody>
-          </p:sp>
-        </mc:Choice>
-        <mc:Fallback>
-          <p:sp>
-            <p:nvSpPr>
-              <p:cNvPr id="6" name="TextBox 5"/>
-              <p:cNvSpPr txBox="1">
-                <a:spLocks noRot="1" noChangeAspect="1" noMove="1" noResize="1" noEditPoints="1" noAdjustHandles="1" noChangeArrowheads="1" noChangeShapeType="1" noTextEdit="1"/>
-              </p:cNvSpPr>
-              <p:nvPr/>
-            </p:nvSpPr>
-            <p:spPr>
-              <a:xfrm>
-                <a:off x="1150327" y="5657671"/>
-                <a:ext cx="9891346" cy="1200329"/>
-              </a:xfrm>
-              <a:prstGeom prst="rect">
-                <a:avLst/>
-              </a:prstGeom>
-              <a:blipFill>
-                <a:blip r:embed="rId4"/>
-                <a:stretch>
-                  <a:fillRect l="-555" t="-2538" b="-7107"/>
-                </a:stretch>
-              </a:blipFill>
-            </p:spPr>
-            <p:txBody>
-              <a:bodyPr/>
-              <a:lstStyle/>
-              <a:p>
-                <a:r>
-                  <a:rPr lang="en-US">
-                    <a:noFill/>
-                  </a:rPr>
-                  <a:t> </a:t>
-                </a:r>
-              </a:p>
-            </p:txBody>
-          </p:sp>
-        </mc:Fallback>
-      </mc:AlternateContent>
-    </p:spTree>
-    <p:extLst>
-      <p:ext uri="{BB962C8B-B14F-4D97-AF65-F5344CB8AC3E}">
-        <p14:creationId xmlns:p14="http://schemas.microsoft.com/office/powerpoint/2010/main" val="955021112"/>
-      </p:ext>
-    </p:extLst>
-  </p:cSld>
-  <p:clrMapOvr>
-    <a:masterClrMapping/>
-  </p:clrMapOvr>
-  <p:timing>
-    <p:tnLst>
-      <p:par>
-        <p:cTn id="1" dur="indefinite" restart="never" nodeType="tmRoot"/>
-      </p:par>
-    </p:tnLst>
-  </p:timing>
-</p:sld>
-</file>
-
-<file path=ppt/slides/slide33.xml><?xml version="1.0" encoding="utf-8"?>
-<p:sld xmlns:a="http://schemas.openxmlformats.org/drawingml/2006/main" xmlns:r="http://schemas.openxmlformats.org/officeDocument/2006/relationships" xmlns:p="http://schemas.openxmlformats.org/presentationml/2006/main">
-  <p:cSld>
-    <p:spTree>
-      <p:nvGrpSpPr>
-        <p:cNvPr id="1" name="">
-          <a:extLst>
-            <a:ext uri="{FF2B5EF4-FFF2-40B4-BE49-F238E27FC236}">
               <a16:creationId xmlns:a16="http://schemas.microsoft.com/office/drawing/2014/main" id="{5AE1A827-5F7B-1C9B-DFDA-1A7B41DDD160}"/>
             </a:ext>
           </a:extLst>
@@ -24994,14 +22269,6 @@
                 </a:solidFill>
               </a:rPr>
             </a:br>
-            <a:r>
-              <a:rPr lang="en-US" sz="4000" dirty="0">
-                <a:solidFill>
-                  <a:srgbClr val="FFFFFF"/>
-                </a:solidFill>
-              </a:rPr>
-              <a:t/>
-            </a:r>
             <a:br>
               <a:rPr lang="en-US" sz="4000" dirty="0">
                 <a:solidFill>
@@ -25321,17 +22588,10 @@
   <p:clrMapOvr>
     <a:masterClrMapping/>
   </p:clrMapOvr>
-  <p:timing>
-    <p:tnLst>
-      <p:par>
-        <p:cTn id="1" dur="indefinite" restart="never" nodeType="tmRoot"/>
-      </p:par>
-    </p:tnLst>
-  </p:timing>
 </p:sld>
 </file>
 
-<file path=ppt/slides/slide34.xml><?xml version="1.0" encoding="utf-8"?>
+<file path=ppt/slides/slide29.xml><?xml version="1.0" encoding="utf-8"?>
 <p:sld xmlns:a="http://schemas.openxmlformats.org/drawingml/2006/main" xmlns:r="http://schemas.openxmlformats.org/officeDocument/2006/relationships" xmlns:p="http://schemas.openxmlformats.org/presentationml/2006/main">
   <p:cSld>
     <p:spTree>
@@ -25369,10 +22629,9 @@
           <a:lstStyle/>
           <a:p>
             <a:r>
-              <a:rPr lang="en-US" dirty="0" smtClean="0"/>
+              <a:rPr lang="en-US" dirty="0"/>
               <a:t>code</a:t>
             </a:r>
-            <a:endParaRPr lang="en-US" dirty="0"/>
           </a:p>
         </p:txBody>
       </p:sp>
@@ -25397,10 +22656,9 @@
           <a:lstStyle/>
           <a:p>
             <a:r>
-              <a:rPr lang="en-US" dirty="0" smtClean="0"/>
+              <a:rPr lang="en-US" dirty="0"/>
               <a:t>week04_Demo</a:t>
             </a:r>
-            <a:endParaRPr lang="en-US" dirty="0"/>
           </a:p>
         </p:txBody>
       </p:sp>
@@ -25414,13 +22672,196 @@
   <p:clrMapOvr>
     <a:masterClrMapping/>
   </p:clrMapOvr>
-  <p:timing>
-    <p:tnLst>
-      <p:par>
-        <p:cTn id="1" dur="indefinite" restart="never" nodeType="tmRoot"/>
-      </p:par>
-    </p:tnLst>
-  </p:timing>
+</p:sld>
+</file>
+
+<file path=ppt/slides/slide3.xml><?xml version="1.0" encoding="utf-8"?>
+<p:sld xmlns:a="http://schemas.openxmlformats.org/drawingml/2006/main" xmlns:r="http://schemas.openxmlformats.org/officeDocument/2006/relationships" xmlns:p="http://schemas.openxmlformats.org/presentationml/2006/main">
+  <p:cSld>
+    <p:spTree>
+      <p:nvGrpSpPr>
+        <p:cNvPr id="1" name=""/>
+        <p:cNvGrpSpPr/>
+        <p:nvPr/>
+      </p:nvGrpSpPr>
+      <p:grpSpPr>
+        <a:xfrm>
+          <a:off x="0" y="0"/>
+          <a:ext cx="0" cy="0"/>
+          <a:chOff x="0" y="0"/>
+          <a:chExt cx="0" cy="0"/>
+        </a:xfrm>
+      </p:grpSpPr>
+      <p:sp>
+        <p:nvSpPr>
+          <p:cNvPr id="2" name="Title 1">
+            <a:extLst>
+              <a:ext uri="{FF2B5EF4-FFF2-40B4-BE49-F238E27FC236}">
+                <a16:creationId xmlns:a16="http://schemas.microsoft.com/office/drawing/2014/main" id="{36CD3810-3DE1-B063-D560-BC3A9D9A022C}"/>
+              </a:ext>
+            </a:extLst>
+          </p:cNvPr>
+          <p:cNvSpPr>
+            <a:spLocks noGrp="1"/>
+          </p:cNvSpPr>
+          <p:nvPr>
+            <p:ph type="title"/>
+          </p:nvPr>
+        </p:nvSpPr>
+        <p:spPr>
+          <a:xfrm>
+            <a:off x="581191" y="607364"/>
+            <a:ext cx="11029616" cy="550572"/>
+          </a:xfrm>
+        </p:spPr>
+        <p:txBody>
+          <a:bodyPr/>
+          <a:lstStyle/>
+          <a:p>
+            <a:r>
+              <a:rPr lang="en-US" dirty="0"/>
+              <a:t>CAUSALITY &amp; REGRESSION</a:t>
+            </a:r>
+          </a:p>
+        </p:txBody>
+      </p:sp>
+      <p:sp>
+        <p:nvSpPr>
+          <p:cNvPr id="3" name="Content Placeholder 2">
+            <a:extLst>
+              <a:ext uri="{FF2B5EF4-FFF2-40B4-BE49-F238E27FC236}">
+                <a16:creationId xmlns:a16="http://schemas.microsoft.com/office/drawing/2014/main" id="{AAFA8653-FD86-8AF8-2083-96AC63865D20}"/>
+              </a:ext>
+            </a:extLst>
+          </p:cNvPr>
+          <p:cNvSpPr>
+            <a:spLocks noGrp="1"/>
+          </p:cNvSpPr>
+          <p:nvPr>
+            <p:ph idx="1"/>
+          </p:nvPr>
+        </p:nvSpPr>
+        <p:spPr>
+          <a:xfrm>
+            <a:off x="581191" y="1157935"/>
+            <a:ext cx="11029615" cy="4299889"/>
+          </a:xfrm>
+        </p:spPr>
+        <p:txBody>
+          <a:bodyPr>
+            <a:noAutofit/>
+          </a:bodyPr>
+          <a:lstStyle/>
+          <a:p>
+            <a:r>
+              <a:rPr lang="en-US" sz="2000" dirty="0">
+                <a:solidFill>
+                  <a:srgbClr val="1F1F1F"/>
+                </a:solidFill>
+                <a:latin typeface="ElsevierGulliver"/>
+              </a:rPr>
+              <a:t>Causality: Relationship between cause and effect, where one event (the cause) directly influences another event (the effect). </a:t>
+            </a:r>
+          </a:p>
+          <a:p>
+            <a:pPr marL="0" indent="0">
+              <a:buNone/>
+            </a:pPr>
+            <a:endParaRPr lang="en-US" sz="2000" dirty="0">
+              <a:solidFill>
+                <a:srgbClr val="1F1F1F"/>
+              </a:solidFill>
+              <a:latin typeface="ElsevierGulliver"/>
+            </a:endParaRPr>
+          </a:p>
+          <a:p>
+            <a:pPr marL="0" indent="0">
+              <a:buNone/>
+            </a:pPr>
+            <a:r>
+              <a:rPr lang="en-US" sz="2000" dirty="0">
+                <a:solidFill>
+                  <a:srgbClr val="1F1F1F"/>
+                </a:solidFill>
+                <a:latin typeface="ElsevierGulliver"/>
+              </a:rPr>
+              <a:t>	E</a:t>
+            </a:r>
+            <a:r>
+              <a:rPr lang="en-US" altLang="zh-CN" sz="2000" dirty="0">
+                <a:solidFill>
+                  <a:srgbClr val="1F1F1F"/>
+                </a:solidFill>
+                <a:latin typeface="ElsevierGulliver"/>
+              </a:rPr>
+              <a:t>xample: the relationship between rainfall and flooding</a:t>
+            </a:r>
+            <a:endParaRPr lang="en-US" sz="2000" dirty="0">
+              <a:solidFill>
+                <a:srgbClr val="1F1F1F"/>
+              </a:solidFill>
+              <a:latin typeface="ElsevierGulliver"/>
+            </a:endParaRPr>
+          </a:p>
+          <a:p>
+            <a:pPr marL="0" indent="0">
+              <a:buNone/>
+            </a:pPr>
+            <a:endParaRPr lang="en-US" sz="2000" dirty="0">
+              <a:solidFill>
+                <a:srgbClr val="1F1F1F"/>
+              </a:solidFill>
+              <a:latin typeface="ElsevierGulliver"/>
+            </a:endParaRPr>
+          </a:p>
+          <a:p>
+            <a:pPr marL="0" indent="0">
+              <a:buNone/>
+            </a:pPr>
+            <a:endParaRPr lang="en-US" sz="2000" dirty="0">
+              <a:solidFill>
+                <a:srgbClr val="1F1F1F"/>
+              </a:solidFill>
+              <a:latin typeface="ElsevierGulliver"/>
+            </a:endParaRPr>
+          </a:p>
+          <a:p>
+            <a:r>
+              <a:rPr lang="en-US" sz="2000" dirty="0">
+                <a:solidFill>
+                  <a:srgbClr val="1F1F1F"/>
+                </a:solidFill>
+                <a:latin typeface="ElsevierGulliver"/>
+              </a:rPr>
+              <a:t>Co-variation: </a:t>
+            </a:r>
+            <a:r>
+              <a:rPr lang="en-US" sz="2000" dirty="0"/>
+              <a:t>Two variables change together. If two variables tend to increase or decrease in a related manner, they are said to </a:t>
+            </a:r>
+            <a:r>
+              <a:rPr lang="en-US" sz="2000" b="1" dirty="0"/>
+              <a:t>covary (not causality)</a:t>
+            </a:r>
+            <a:endParaRPr lang="en-US" sz="2000" dirty="0">
+              <a:solidFill>
+                <a:srgbClr val="1F1F1F"/>
+              </a:solidFill>
+              <a:latin typeface="ElsevierGulliver"/>
+            </a:endParaRPr>
+          </a:p>
+        </p:txBody>
+      </p:sp>
+    </p:spTree>
+    <p:extLst>
+      <p:ext uri="{BB962C8B-B14F-4D97-AF65-F5344CB8AC3E}">
+        <p14:creationId xmlns:p14="http://schemas.microsoft.com/office/powerpoint/2010/main" val="128340750"/>
+      </p:ext>
+    </p:extLst>
+  </p:cSld>
+  <p:clrMapOvr>
+    <a:masterClrMapping/>
+  </p:clrMapOvr>
 </p:sld>
 </file>
 
@@ -25718,7 +23159,7 @@
                 <a16:creationId xmlns:a16="http://schemas.microsoft.com/office/drawing/2014/main" id="{A112547E-198B-9E05-0675-1FBFFDF268DA}"/>
               </a:ext>
               <a:ext uri="{C183D7F6-B498-43B3-948B-1728B52AA6E4}">
-                <adec:decorative xmlns:adec="http://schemas.microsoft.com/office/drawing/2017/decorative" xmlns="" val="1"/>
+                <adec:decorative xmlns:adec="http://schemas.microsoft.com/office/drawing/2017/decorative" val="1"/>
               </a:ext>
             </a:extLst>
           </p:cNvPr>
@@ -25809,7 +23250,7 @@
                 <a16:creationId xmlns:a16="http://schemas.microsoft.com/office/drawing/2014/main" id="{A6C02608-FE1F-FD6B-9F6F-B4C30768B4C9}"/>
               </a:ext>
               <a:ext uri="{C183D7F6-B498-43B3-948B-1728B52AA6E4}">
-                <adec:decorative xmlns:adec="http://schemas.microsoft.com/office/drawing/2017/decorative" xmlns="" val="1"/>
+                <adec:decorative xmlns:adec="http://schemas.microsoft.com/office/drawing/2017/decorative" val="1"/>
               </a:ext>
             </a:extLst>
           </p:cNvPr>
@@ -25900,7 +23341,7 @@
                 <a16:creationId xmlns:a16="http://schemas.microsoft.com/office/drawing/2014/main" id="{12E9E75F-1C63-096E-7E14-9BE2D342A1ED}"/>
               </a:ext>
               <a:ext uri="{C183D7F6-B498-43B3-948B-1728B52AA6E4}">
-                <adec:decorative xmlns:adec="http://schemas.microsoft.com/office/drawing/2017/decorative" xmlns="" val="1"/>
+                <adec:decorative xmlns:adec="http://schemas.microsoft.com/office/drawing/2017/decorative" val="1"/>
               </a:ext>
             </a:extLst>
           </p:cNvPr>
@@ -25991,7 +23432,7 @@
                 <a16:creationId xmlns:a16="http://schemas.microsoft.com/office/drawing/2014/main" id="{183AF455-7B4F-55F8-D6B1-2B568C88E8E0}"/>
               </a:ext>
               <a:ext uri="{C183D7F6-B498-43B3-948B-1728B52AA6E4}">
-                <adec:decorative xmlns:adec="http://schemas.microsoft.com/office/drawing/2017/decorative" xmlns="" val="1"/>
+                <adec:decorative xmlns:adec="http://schemas.microsoft.com/office/drawing/2017/decorative" val="1"/>
               </a:ext>
             </a:extLst>
           </p:cNvPr>
@@ -26082,7 +23523,7 @@
                 <a16:creationId xmlns:a16="http://schemas.microsoft.com/office/drawing/2014/main" id="{A0756C1F-C446-CA3F-DAE7-152750B514F1}"/>
               </a:ext>
               <a:ext uri="{C183D7F6-B498-43B3-948B-1728B52AA6E4}">
-                <adec:decorative xmlns:adec="http://schemas.microsoft.com/office/drawing/2017/decorative" xmlns="" val="1"/>
+                <adec:decorative xmlns:adec="http://schemas.microsoft.com/office/drawing/2017/decorative" val="1"/>
               </a:ext>
             </a:extLst>
           </p:cNvPr>
@@ -26171,7 +23612,7 @@
                 <a16:creationId xmlns:a16="http://schemas.microsoft.com/office/drawing/2014/main" id="{220888DF-7DB4-1AEF-E4AF-3927999299BC}"/>
               </a:ext>
               <a:ext uri="{C183D7F6-B498-43B3-948B-1728B52AA6E4}">
-                <adec:decorative xmlns:adec="http://schemas.microsoft.com/office/drawing/2017/decorative" xmlns="" val="1"/>
+                <adec:decorative xmlns:adec="http://schemas.microsoft.com/office/drawing/2017/decorative" val="1"/>
               </a:ext>
             </a:extLst>
           </p:cNvPr>
@@ -26262,7 +23703,7 @@
                 <a16:creationId xmlns:a16="http://schemas.microsoft.com/office/drawing/2014/main" id="{3F390241-4877-3308-BA74-05531D4D2555}"/>
               </a:ext>
               <a:ext uri="{C183D7F6-B498-43B3-948B-1728B52AA6E4}">
-                <adec:decorative xmlns:adec="http://schemas.microsoft.com/office/drawing/2017/decorative" xmlns="" val="1"/>
+                <adec:decorative xmlns:adec="http://schemas.microsoft.com/office/drawing/2017/decorative" val="1"/>
               </a:ext>
             </a:extLst>
           </p:cNvPr>
@@ -26395,7 +23836,7 @@
                 <a16:creationId xmlns:a16="http://schemas.microsoft.com/office/drawing/2014/main" id="{0D6AF533-F0C8-5AC9-93C3-6606EF7122A9}"/>
               </a:ext>
               <a:ext uri="{C183D7F6-B498-43B3-948B-1728B52AA6E4}">
-                <adec:decorative xmlns:adec="http://schemas.microsoft.com/office/drawing/2017/decorative" xmlns="" val="1"/>
+                <adec:decorative xmlns:adec="http://schemas.microsoft.com/office/drawing/2017/decorative" val="1"/>
               </a:ext>
             </a:extLst>
           </p:cNvPr>
@@ -28106,7 +25547,7 @@
                 <a16:creationId xmlns:a16="http://schemas.microsoft.com/office/drawing/2014/main" id="{54B744F6-8839-076D-8745-F4FE628328DE}"/>
               </a:ext>
               <a:ext uri="{C183D7F6-B498-43B3-948B-1728B52AA6E4}">
-                <adec:decorative xmlns:adec="http://schemas.microsoft.com/office/drawing/2017/decorative" xmlns="" val="1"/>
+                <adec:decorative xmlns:adec="http://schemas.microsoft.com/office/drawing/2017/decorative" val="1"/>
               </a:ext>
             </a:extLst>
           </p:cNvPr>
@@ -28197,7 +25638,7 @@
                 <a16:creationId xmlns:a16="http://schemas.microsoft.com/office/drawing/2014/main" id="{25F6329E-41CD-091A-19FA-6F133FC6F26E}"/>
               </a:ext>
               <a:ext uri="{C183D7F6-B498-43B3-948B-1728B52AA6E4}">
-                <adec:decorative xmlns:adec="http://schemas.microsoft.com/office/drawing/2017/decorative" xmlns="" val="1"/>
+                <adec:decorative xmlns:adec="http://schemas.microsoft.com/office/drawing/2017/decorative" val="1"/>
               </a:ext>
             </a:extLst>
           </p:cNvPr>
@@ -28288,7 +25729,7 @@
                 <a16:creationId xmlns:a16="http://schemas.microsoft.com/office/drawing/2014/main" id="{43FDABB0-A263-9EAD-24EC-95B7129EAACD}"/>
               </a:ext>
               <a:ext uri="{C183D7F6-B498-43B3-948B-1728B52AA6E4}">
-                <adec:decorative xmlns:adec="http://schemas.microsoft.com/office/drawing/2017/decorative" xmlns="" val="1"/>
+                <adec:decorative xmlns:adec="http://schemas.microsoft.com/office/drawing/2017/decorative" val="1"/>
               </a:ext>
             </a:extLst>
           </p:cNvPr>
@@ -28379,7 +25820,7 @@
                 <a16:creationId xmlns:a16="http://schemas.microsoft.com/office/drawing/2014/main" id="{0345D31F-C993-9943-A688-E669A0AFF57C}"/>
               </a:ext>
               <a:ext uri="{C183D7F6-B498-43B3-948B-1728B52AA6E4}">
-                <adec:decorative xmlns:adec="http://schemas.microsoft.com/office/drawing/2017/decorative" xmlns="" val="1"/>
+                <adec:decorative xmlns:adec="http://schemas.microsoft.com/office/drawing/2017/decorative" val="1"/>
               </a:ext>
             </a:extLst>
           </p:cNvPr>
@@ -28470,7 +25911,7 @@
                 <a16:creationId xmlns:a16="http://schemas.microsoft.com/office/drawing/2014/main" id="{CDCB8611-4505-C38F-6DE1-AC9F71907D3F}"/>
               </a:ext>
               <a:ext uri="{C183D7F6-B498-43B3-948B-1728B52AA6E4}">
-                <adec:decorative xmlns:adec="http://schemas.microsoft.com/office/drawing/2017/decorative" xmlns="" val="1"/>
+                <adec:decorative xmlns:adec="http://schemas.microsoft.com/office/drawing/2017/decorative" val="1"/>
               </a:ext>
             </a:extLst>
           </p:cNvPr>
@@ -28559,7 +26000,7 @@
                 <a16:creationId xmlns:a16="http://schemas.microsoft.com/office/drawing/2014/main" id="{0EB42D87-8C15-FD2F-FEA4-5496B5879A82}"/>
               </a:ext>
               <a:ext uri="{C183D7F6-B498-43B3-948B-1728B52AA6E4}">
-                <adec:decorative xmlns:adec="http://schemas.microsoft.com/office/drawing/2017/decorative" xmlns="" val="1"/>
+                <adec:decorative xmlns:adec="http://schemas.microsoft.com/office/drawing/2017/decorative" val="1"/>
               </a:ext>
             </a:extLst>
           </p:cNvPr>
@@ -28650,7 +26091,7 @@
                 <a16:creationId xmlns:a16="http://schemas.microsoft.com/office/drawing/2014/main" id="{93B862DD-278B-0512-D575-ADF35962BC72}"/>
               </a:ext>
               <a:ext uri="{C183D7F6-B498-43B3-948B-1728B52AA6E4}">
-                <adec:decorative xmlns:adec="http://schemas.microsoft.com/office/drawing/2017/decorative" xmlns="" val="1"/>
+                <adec:decorative xmlns:adec="http://schemas.microsoft.com/office/drawing/2017/decorative" val="1"/>
               </a:ext>
             </a:extLst>
           </p:cNvPr>
@@ -28799,7 +26240,7 @@
                 <a16:creationId xmlns:a16="http://schemas.microsoft.com/office/drawing/2014/main" id="{3F180155-DCCB-CEDA-22CD-FF6EB27CC8F2}"/>
               </a:ext>
               <a:ext uri="{C183D7F6-B498-43B3-948B-1728B52AA6E4}">
-                <adec:decorative xmlns:adec="http://schemas.microsoft.com/office/drawing/2017/decorative" xmlns="" val="1"/>
+                <adec:decorative xmlns:adec="http://schemas.microsoft.com/office/drawing/2017/decorative" val="1"/>
               </a:ext>
             </a:extLst>
           </p:cNvPr>
